--- a/[스크립트 언어]7조 최종 발표 - 2016180042, 2015182031.pptx
+++ b/[스크립트 언어]7조 최종 발표 - 2016180042, 2015182031.pptx
@@ -5,24 +5,23 @@
     <p:sldMasterId id="2147483672" r:id="rId4"/>
   </p:sldMasterIdLst>
   <p:notesMasterIdLst>
-    <p:notesMasterId r:id="rId17"/>
+    <p:notesMasterId r:id="rId16"/>
   </p:notesMasterIdLst>
   <p:handoutMasterIdLst>
-    <p:handoutMasterId r:id="rId18"/>
+    <p:handoutMasterId r:id="rId17"/>
   </p:handoutMasterIdLst>
   <p:sldIdLst>
     <p:sldId id="257" r:id="rId5"/>
     <p:sldId id="258" r:id="rId6"/>
     <p:sldId id="264" r:id="rId7"/>
-    <p:sldId id="269" r:id="rId8"/>
-    <p:sldId id="265" r:id="rId9"/>
-    <p:sldId id="266" r:id="rId10"/>
-    <p:sldId id="273" r:id="rId11"/>
-    <p:sldId id="267" r:id="rId12"/>
-    <p:sldId id="272" r:id="rId13"/>
-    <p:sldId id="268" r:id="rId14"/>
-    <p:sldId id="271" r:id="rId15"/>
-    <p:sldId id="270" r:id="rId16"/>
+    <p:sldId id="265" r:id="rId8"/>
+    <p:sldId id="266" r:id="rId9"/>
+    <p:sldId id="273" r:id="rId10"/>
+    <p:sldId id="267" r:id="rId11"/>
+    <p:sldId id="272" r:id="rId12"/>
+    <p:sldId id="268" r:id="rId13"/>
+    <p:sldId id="271" r:id="rId14"/>
+    <p:sldId id="270" r:id="rId15"/>
   </p:sldIdLst>
   <p:sldSz cx="12192000" cy="6858000"/>
   <p:notesSz cx="6858000" cy="9144000"/>
@@ -135,7 +134,7 @@
 <file path=ppt/revisionInfo.xml><?xml version="1.0" encoding="utf-8"?>
 <p1510:revInfo xmlns:a="http://schemas.openxmlformats.org/drawingml/2006/main" xmlns:r="http://schemas.openxmlformats.org/officeDocument/2006/relationships" xmlns:p1510="http://schemas.microsoft.com/office/powerpoint/2015/10/main">
   <p1510:revLst>
-    <p1510:client id="{4F6017EA-8D3B-4069-B109-59CCEDB3C90C}" v="247" dt="2018-06-12T11:51:40.114"/>
+    <p1510:client id="{4F6017EA-8D3B-4069-B109-59CCEDB3C90C}" v="357" dt="2018-06-13T12:33:53.392"/>
   </p1510:revLst>
 </p1510:revInfo>
 </file>
@@ -144,8 +143,8 @@
 <pc:chgInfo xmlns:a="http://schemas.openxmlformats.org/drawingml/2006/main" xmlns:r="http://schemas.openxmlformats.org/officeDocument/2006/relationships" xmlns:ac="http://schemas.microsoft.com/office/drawing/2013/main/command" xmlns:pc="http://schemas.microsoft.com/office/powerpoint/2013/main/command">
   <pc:docChgLst>
     <pc:chgData name="J Iconer" userId="13d0d27d8d7329bc" providerId="LiveId" clId="{4F6017EA-8D3B-4069-B109-59CCEDB3C90C}"/>
-    <pc:docChg chg="custSel addSld delSld modSld sldOrd">
-      <pc:chgData name="J Iconer" userId="13d0d27d8d7329bc" providerId="LiveId" clId="{4F6017EA-8D3B-4069-B109-59CCEDB3C90C}" dt="2018-06-12T11:51:40.114" v="246" actId="20577"/>
+    <pc:docChg chg="undo custSel addSld delSld modSld sldOrd">
+      <pc:chgData name="J Iconer" userId="13d0d27d8d7329bc" providerId="LiveId" clId="{4F6017EA-8D3B-4069-B109-59CCEDB3C90C}" dt="2018-06-13T12:33:53.392" v="356" actId="27636"/>
       <pc:docMkLst>
         <pc:docMk/>
       </pc:docMkLst>
@@ -194,6 +193,21 @@
         </pc:sldMkLst>
       </pc:sldChg>
       <pc:sldChg chg="modSp">
+        <pc:chgData name="J Iconer" userId="13d0d27d8d7329bc" providerId="LiveId" clId="{4F6017EA-8D3B-4069-B109-59CCEDB3C90C}" dt="2018-06-13T12:33:53.392" v="356" actId="27636"/>
+        <pc:sldMkLst>
+          <pc:docMk/>
+          <pc:sldMk cId="2448794823" sldId="264"/>
+        </pc:sldMkLst>
+        <pc:spChg chg="mod">
+          <ac:chgData name="J Iconer" userId="13d0d27d8d7329bc" providerId="LiveId" clId="{4F6017EA-8D3B-4069-B109-59CCEDB3C90C}" dt="2018-06-13T12:33:53.392" v="356" actId="27636"/>
+          <ac:spMkLst>
+            <pc:docMk/>
+            <pc:sldMk cId="2448794823" sldId="264"/>
+            <ac:spMk id="2" creationId="{2159886E-FA47-4B93-9A5C-A9CE43E24A91}"/>
+          </ac:spMkLst>
+        </pc:spChg>
+      </pc:sldChg>
+      <pc:sldChg chg="modSp">
         <pc:chgData name="J Iconer" userId="13d0d27d8d7329bc" providerId="LiveId" clId="{4F6017EA-8D3B-4069-B109-59CCEDB3C90C}" dt="2018-06-12T09:15:52.826" v="39" actId="400"/>
         <pc:sldMkLst>
           <pc:docMk/>
@@ -209,13 +223,13 @@
         </pc:graphicFrameChg>
       </pc:sldChg>
       <pc:sldChg chg="modSp add ord">
-        <pc:chgData name="J Iconer" userId="13d0d27d8d7329bc" providerId="LiveId" clId="{4F6017EA-8D3B-4069-B109-59CCEDB3C90C}" dt="2018-06-12T11:49:51.086" v="198"/>
+        <pc:chgData name="J Iconer" userId="13d0d27d8d7329bc" providerId="LiveId" clId="{4F6017EA-8D3B-4069-B109-59CCEDB3C90C}" dt="2018-06-13T12:28:49.124" v="275" actId="20577"/>
         <pc:sldMkLst>
           <pc:docMk/>
           <pc:sldMk cId="3346087567" sldId="267"/>
         </pc:sldMkLst>
         <pc:spChg chg="mod">
-          <ac:chgData name="J Iconer" userId="13d0d27d8d7329bc" providerId="LiveId" clId="{4F6017EA-8D3B-4069-B109-59CCEDB3C90C}" dt="2018-06-12T09:16:19.653" v="59" actId="255"/>
+          <ac:chgData name="J Iconer" userId="13d0d27d8d7329bc" providerId="LiveId" clId="{4F6017EA-8D3B-4069-B109-59CCEDB3C90C}" dt="2018-06-13T12:28:49.124" v="275" actId="20577"/>
           <ac:spMkLst>
             <pc:docMk/>
             <pc:sldMk cId="3346087567" sldId="267"/>
@@ -224,11 +238,19 @@
         </pc:spChg>
       </pc:sldChg>
       <pc:sldChg chg="addSp delSp modSp add">
-        <pc:chgData name="J Iconer" userId="13d0d27d8d7329bc" providerId="LiveId" clId="{4F6017EA-8D3B-4069-B109-59CCEDB3C90C}" dt="2018-06-12T11:49:44.901" v="196" actId="962"/>
+        <pc:chgData name="J Iconer" userId="13d0d27d8d7329bc" providerId="LiveId" clId="{4F6017EA-8D3B-4069-B109-59CCEDB3C90C}" dt="2018-06-13T12:28:44.929" v="269" actId="20577"/>
         <pc:sldMkLst>
           <pc:docMk/>
           <pc:sldMk cId="4247206603" sldId="268"/>
         </pc:sldMkLst>
+        <pc:spChg chg="mod">
+          <ac:chgData name="J Iconer" userId="13d0d27d8d7329bc" providerId="LiveId" clId="{4F6017EA-8D3B-4069-B109-59CCEDB3C90C}" dt="2018-06-13T12:28:44.929" v="269" actId="20577"/>
+          <ac:spMkLst>
+            <pc:docMk/>
+            <pc:sldMk cId="4247206603" sldId="268"/>
+            <ac:spMk id="2" creationId="{03C15024-AA5B-4B0C-B5C6-19AFECC56760}"/>
+          </ac:spMkLst>
+        </pc:spChg>
         <pc:spChg chg="del">
           <ac:chgData name="J Iconer" userId="13d0d27d8d7329bc" providerId="LiveId" clId="{4F6017EA-8D3B-4069-B109-59CCEDB3C90C}" dt="2018-06-12T11:49:38.993" v="191" actId="931"/>
           <ac:spMkLst>
@@ -262,8 +284,8 @@
           </ac:picMkLst>
         </pc:picChg>
       </pc:sldChg>
-      <pc:sldChg chg="modSp add">
-        <pc:chgData name="J Iconer" userId="13d0d27d8d7329bc" providerId="LiveId" clId="{4F6017EA-8D3B-4069-B109-59CCEDB3C90C}" dt="2018-06-12T09:17:12.390" v="152" actId="255"/>
+      <pc:sldChg chg="modSp add del">
+        <pc:chgData name="J Iconer" userId="13d0d27d8d7329bc" providerId="LiveId" clId="{4F6017EA-8D3B-4069-B109-59CCEDB3C90C}" dt="2018-06-13T12:33:12.618" v="276" actId="2696"/>
         <pc:sldMkLst>
           <pc:docMk/>
           <pc:sldMk cId="3762713400" sldId="269"/>
@@ -324,11 +346,19 @@
         </pc:spChg>
       </pc:sldChg>
       <pc:sldChg chg="addSp delSp modSp add">
-        <pc:chgData name="J Iconer" userId="13d0d27d8d7329bc" providerId="LiveId" clId="{4F6017EA-8D3B-4069-B109-59CCEDB3C90C}" dt="2018-06-12T11:49:59.916" v="203" actId="27614"/>
+        <pc:chgData name="J Iconer" userId="13d0d27d8d7329bc" providerId="LiveId" clId="{4F6017EA-8D3B-4069-B109-59CCEDB3C90C}" dt="2018-06-13T12:28:42.221" v="266" actId="20577"/>
         <pc:sldMkLst>
           <pc:docMk/>
           <pc:sldMk cId="3258908967" sldId="271"/>
         </pc:sldMkLst>
+        <pc:spChg chg="mod">
+          <ac:chgData name="J Iconer" userId="13d0d27d8d7329bc" providerId="LiveId" clId="{4F6017EA-8D3B-4069-B109-59CCEDB3C90C}" dt="2018-06-13T12:28:42.221" v="266" actId="20577"/>
+          <ac:spMkLst>
+            <pc:docMk/>
+            <pc:sldMk cId="3258908967" sldId="271"/>
+            <ac:spMk id="2" creationId="{03C15024-AA5B-4B0C-B5C6-19AFECC56760}"/>
+          </ac:spMkLst>
+        </pc:spChg>
         <pc:spChg chg="del">
           <ac:chgData name="J Iconer" userId="13d0d27d8d7329bc" providerId="LiveId" clId="{4F6017EA-8D3B-4069-B109-59CCEDB3C90C}" dt="2018-06-12T11:49:55.704" v="199" actId="931"/>
           <ac:spMkLst>
@@ -362,12 +392,68 @@
           </ac:picMkLst>
         </pc:picChg>
       </pc:sldChg>
-      <pc:sldChg chg="add">
-        <pc:chgData name="J Iconer" userId="13d0d27d8d7329bc" providerId="LiveId" clId="{4F6017EA-8D3B-4069-B109-59CCEDB3C90C}" dt="2018-06-12T11:50:00.864" v="204"/>
+      <pc:sldChg chg="addSp delSp modSp add">
+        <pc:chgData name="J Iconer" userId="13d0d27d8d7329bc" providerId="LiveId" clId="{4F6017EA-8D3B-4069-B109-59CCEDB3C90C}" dt="2018-06-13T12:28:47.094" v="272" actId="20577"/>
         <pc:sldMkLst>
           <pc:docMk/>
           <pc:sldMk cId="3384489649" sldId="272"/>
         </pc:sldMkLst>
+        <pc:spChg chg="mod">
+          <ac:chgData name="J Iconer" userId="13d0d27d8d7329bc" providerId="LiveId" clId="{4F6017EA-8D3B-4069-B109-59CCEDB3C90C}" dt="2018-06-13T12:28:47.094" v="272" actId="20577"/>
+          <ac:spMkLst>
+            <pc:docMk/>
+            <pc:sldMk cId="3384489649" sldId="272"/>
+            <ac:spMk id="2" creationId="{03C15024-AA5B-4B0C-B5C6-19AFECC56760}"/>
+          </ac:spMkLst>
+        </pc:spChg>
+        <pc:spChg chg="del">
+          <ac:chgData name="J Iconer" userId="13d0d27d8d7329bc" providerId="LiveId" clId="{4F6017EA-8D3B-4069-B109-59CCEDB3C90C}" dt="2018-06-13T12:26:58.471" v="247" actId="931"/>
+          <ac:spMkLst>
+            <pc:docMk/>
+            <pc:sldMk cId="3384489649" sldId="272"/>
+            <ac:spMk id="3" creationId="{D20DD24A-7257-428F-BAAB-24B82FAB7A2E}"/>
+          </ac:spMkLst>
+        </pc:spChg>
+        <pc:spChg chg="del">
+          <ac:chgData name="J Iconer" userId="13d0d27d8d7329bc" providerId="LiveId" clId="{4F6017EA-8D3B-4069-B109-59CCEDB3C90C}" dt="2018-06-13T12:27:19.751" v="250" actId="931"/>
+          <ac:spMkLst>
+            <pc:docMk/>
+            <pc:sldMk cId="3384489649" sldId="272"/>
+            <ac:spMk id="4" creationId="{1F708AC0-5E1D-4870-8452-60B8452F7F14}"/>
+          </ac:spMkLst>
+        </pc:spChg>
+        <pc:spChg chg="add del mod">
+          <ac:chgData name="J Iconer" userId="13d0d27d8d7329bc" providerId="LiveId" clId="{4F6017EA-8D3B-4069-B109-59CCEDB3C90C}" dt="2018-06-13T12:28:21.451" v="254" actId="931"/>
+          <ac:spMkLst>
+            <pc:docMk/>
+            <pc:sldMk cId="3384489649" sldId="272"/>
+            <ac:spMk id="13" creationId="{2653B8CB-F316-432C-8F9C-85572853FD7E}"/>
+          </ac:spMkLst>
+        </pc:spChg>
+        <pc:picChg chg="add del mod">
+          <ac:chgData name="J Iconer" userId="13d0d27d8d7329bc" providerId="LiveId" clId="{4F6017EA-8D3B-4069-B109-59CCEDB3C90C}" dt="2018-06-13T12:28:17.882" v="253" actId="478"/>
+          <ac:picMkLst>
+            <pc:docMk/>
+            <pc:sldMk cId="3384489649" sldId="272"/>
+            <ac:picMk id="9" creationId="{9B150837-65CC-4748-B599-32D2368FB86E}"/>
+          </ac:picMkLst>
+        </pc:picChg>
+        <pc:picChg chg="add mod">
+          <ac:chgData name="J Iconer" userId="13d0d27d8d7329bc" providerId="LiveId" clId="{4F6017EA-8D3B-4069-B109-59CCEDB3C90C}" dt="2018-06-13T12:27:22.042" v="252" actId="962"/>
+          <ac:picMkLst>
+            <pc:docMk/>
+            <pc:sldMk cId="3384489649" sldId="272"/>
+            <ac:picMk id="11" creationId="{8C02C86B-7849-42FB-9058-0C5537691576}"/>
+          </ac:picMkLst>
+        </pc:picChg>
+        <pc:picChg chg="add mod">
+          <ac:chgData name="J Iconer" userId="13d0d27d8d7329bc" providerId="LiveId" clId="{4F6017EA-8D3B-4069-B109-59CCEDB3C90C}" dt="2018-06-13T12:28:23.832" v="255" actId="27614"/>
+          <ac:picMkLst>
+            <pc:docMk/>
+            <pc:sldMk cId="3384489649" sldId="272"/>
+            <ac:picMk id="15" creationId="{0710CBF0-3E40-4305-B8DB-2B2254A09D2B}"/>
+          </ac:picMkLst>
+        </pc:picChg>
       </pc:sldChg>
       <pc:sldChg chg="addSp delSp modSp add ord">
         <pc:chgData name="J Iconer" userId="13d0d27d8d7329bc" providerId="LiveId" clId="{4F6017EA-8D3B-4069-B109-59CCEDB3C90C}" dt="2018-06-12T11:51:40.114" v="246" actId="20577"/>
@@ -376,7 +462,7 @@
           <pc:sldMk cId="2540166230" sldId="273"/>
         </pc:sldMkLst>
         <pc:spChg chg="mod">
-          <ac:chgData name="J Iconer" userId="13d0d27d8d7329bc" providerId="LiveId" clId="{4F6017EA-8D3B-4069-B109-59CCEDB3C90C}" dt="2018-06-12T11:51:30.052" v="221"/>
+          <ac:chgData name="J Iconer" userId="13d0d27d8d7329bc" providerId="LiveId" clId="{4F6017EA-8D3B-4069-B109-59CCEDB3C90C}" dt="2018-06-12T11:51:30.052" v="221" actId="20577"/>
           <ac:spMkLst>
             <pc:docMk/>
             <pc:sldMk cId="2540166230" sldId="273"/>
@@ -503,7 +589,7 @@
                 <a:latin typeface="+mj-ea"/>
                 <a:ea typeface="+mj-ea"/>
               </a:rPr>
-              <a:t>2018-06-12</a:t>
+              <a:t>2018-06-13</a:t>
             </a:fld>
             <a:endParaRPr lang="ko-KR" altLang="en-US" dirty="0">
               <a:latin typeface="+mj-ea"/>
@@ -689,7 +775,7 @@
             <a:fld id="{056DC3A6-C0F7-4CA2-A121-164E4BD6B130}" type="datetime1">
               <a:rPr lang="ko-KR" altLang="en-US" smtClean="0"/>
               <a:pPr/>
-              <a:t>2018-06-12</a:t>
+              <a:t>2018-06-13</a:t>
             </a:fld>
             <a:endParaRPr lang="ko-KR" altLang="en-US" dirty="0"/>
           </a:p>
@@ -1312,7 +1398,7 @@
           <a:p>
             <a:fld id="{6D8A9038-0442-4E35-9A39-86128F959B6D}" type="datetime1">
               <a:rPr lang="ko-KR" altLang="en-US" smtClean="0"/>
-              <a:t>2018-06-12</a:t>
+              <a:t>2018-06-13</a:t>
             </a:fld>
             <a:endParaRPr lang="ko-KR" altLang="en-US" dirty="0"/>
           </a:p>
@@ -1585,7 +1671,7 @@
           <a:p>
             <a:fld id="{B1526DE2-7812-4DB9-947C-D43CDD8C7063}" type="datetime1">
               <a:rPr lang="ko-KR" altLang="en-US" smtClean="0"/>
-              <a:t>2018-06-12</a:t>
+              <a:t>2018-06-13</a:t>
             </a:fld>
             <a:endParaRPr lang="ko-KR" altLang="en-US" dirty="0"/>
           </a:p>
@@ -1821,7 +1907,7 @@
           <a:p>
             <a:fld id="{DB8EA089-EF81-46BC-B39C-CAB023937A49}" type="datetime1">
               <a:rPr lang="ko-KR" altLang="en-US" smtClean="0"/>
-              <a:t>2018-06-12</a:t>
+              <a:t>2018-06-13</a:t>
             </a:fld>
             <a:endParaRPr lang="ko-KR" altLang="en-US" dirty="0"/>
           </a:p>
@@ -2136,7 +2222,7 @@
           <a:p>
             <a:fld id="{FA182FDA-74FB-4BF4-A400-0D87E6897676}" type="datetime1">
               <a:rPr lang="ko-KR" altLang="en-US" smtClean="0"/>
-              <a:t>2018-06-12</a:t>
+              <a:t>2018-06-13</a:t>
             </a:fld>
             <a:endParaRPr lang="ko-KR" altLang="en-US" dirty="0"/>
           </a:p>
@@ -2614,7 +2700,7 @@
           <a:p>
             <a:fld id="{B510A74C-3634-4222-8E04-E0601A93C7AE}" type="datetime1">
               <a:rPr lang="ko-KR" altLang="en-US" smtClean="0"/>
-              <a:t>2018-06-12</a:t>
+              <a:t>2018-06-13</a:t>
             </a:fld>
             <a:endParaRPr lang="ko-KR" altLang="en-US" dirty="0"/>
           </a:p>
@@ -3166,7 +3252,7 @@
           <a:p>
             <a:fld id="{DAA73AAD-BE25-4AF2-A9EA-AF196D9685C1}" type="datetime1">
               <a:rPr lang="ko-KR" altLang="en-US" smtClean="0"/>
-              <a:t>2018-06-12</a:t>
+              <a:t>2018-06-13</a:t>
             </a:fld>
             <a:endParaRPr lang="ko-KR" altLang="en-US" dirty="0"/>
           </a:p>
@@ -3945,7 +4031,7 @@
           <a:p>
             <a:fld id="{4207F5F9-2C6B-4B3A-8D8D-B16CACB7B4A7}" type="datetime1">
               <a:rPr lang="ko-KR" altLang="en-US" smtClean="0"/>
-              <a:t>2018-06-12</a:t>
+              <a:t>2018-06-13</a:t>
             </a:fld>
             <a:endParaRPr lang="ko-KR" altLang="en-US" dirty="0"/>
           </a:p>
@@ -4125,7 +4211,7 @@
           <a:p>
             <a:fld id="{6A289807-FAD8-4CA1-9427-9CCCEA7A0E9B}" type="datetime1">
               <a:rPr lang="ko-KR" altLang="en-US" smtClean="0"/>
-              <a:t>2018-06-12</a:t>
+              <a:t>2018-06-13</a:t>
             </a:fld>
             <a:endParaRPr lang="ko-KR" altLang="en-US" dirty="0"/>
           </a:p>
@@ -4354,7 +4440,7 @@
           <a:p>
             <a:fld id="{1AEE0319-C385-45FA-B115-0F2479A55387}" type="datetime1">
               <a:rPr lang="ko-KR" altLang="en-US" smtClean="0"/>
-              <a:t>2018-06-12</a:t>
+              <a:t>2018-06-13</a:t>
             </a:fld>
             <a:endParaRPr lang="ko-KR" altLang="en-US" dirty="0"/>
           </a:p>
@@ -4540,7 +4626,7 @@
           <a:p>
             <a:fld id="{4AE69147-BD79-4A5A-8996-5CD2E533C865}" type="datetime1">
               <a:rPr lang="ko-KR" altLang="en-US" smtClean="0"/>
-              <a:t>2018-06-12</a:t>
+              <a:t>2018-06-13</a:t>
             </a:fld>
             <a:endParaRPr lang="ko-KR" altLang="en-US" dirty="0"/>
           </a:p>
@@ -4835,7 +4921,7 @@
           <a:p>
             <a:fld id="{7B27FE96-0331-4829-B344-62F455B2E211}" type="datetime1">
               <a:rPr lang="ko-KR" altLang="en-US" smtClean="0"/>
-              <a:t>2018-06-12</a:t>
+              <a:t>2018-06-13</a:t>
             </a:fld>
             <a:endParaRPr lang="ko-KR" altLang="en-US" dirty="0"/>
           </a:p>
@@ -5083,7 +5169,7 @@
           <a:p>
             <a:fld id="{BF360A28-0953-48E8-A32C-D3D2459A400B}" type="datetime1">
               <a:rPr lang="ko-KR" altLang="en-US" smtClean="0"/>
-              <a:t>2018-06-12</a:t>
+              <a:t>2018-06-13</a:t>
             </a:fld>
             <a:endParaRPr lang="ko-KR" altLang="en-US" dirty="0"/>
           </a:p>
@@ -5467,7 +5553,7 @@
           <a:p>
             <a:fld id="{A2489055-9825-43D0-9A5B-047E6F0DC709}" type="datetime1">
               <a:rPr lang="ko-KR" altLang="en-US" smtClean="0"/>
-              <a:t>2018-06-12</a:t>
+              <a:t>2018-06-13</a:t>
             </a:fld>
             <a:endParaRPr lang="ko-KR" altLang="en-US" dirty="0"/>
           </a:p>
@@ -5591,7 +5677,7 @@
           <a:p>
             <a:fld id="{03FD4572-3258-40F8-A022-67C295C3BA31}" type="datetime1">
               <a:rPr lang="ko-KR" altLang="en-US" smtClean="0"/>
-              <a:t>2018-06-12</a:t>
+              <a:t>2018-06-13</a:t>
             </a:fld>
             <a:endParaRPr lang="ko-KR" altLang="en-US" dirty="0"/>
           </a:p>
@@ -5692,7 +5778,7 @@
           <a:p>
             <a:fld id="{869C0B32-3A32-4DF3-8A9C-2CE6AC42E524}" type="datetime1">
               <a:rPr lang="ko-KR" altLang="en-US" smtClean="0"/>
-              <a:t>2018-06-12</a:t>
+              <a:t>2018-06-13</a:t>
             </a:fld>
             <a:endParaRPr lang="ko-KR" altLang="en-US" dirty="0"/>
           </a:p>
@@ -5946,7 +6032,7 @@
           <a:p>
             <a:fld id="{A5C20D44-CED2-40A0-8D67-D866055EF574}" type="datetime1">
               <a:rPr lang="ko-KR" altLang="en-US" smtClean="0"/>
-              <a:t>2018-06-12</a:t>
+              <a:t>2018-06-13</a:t>
             </a:fld>
             <a:endParaRPr lang="ko-KR" altLang="en-US" dirty="0"/>
           </a:p>
@@ -6209,7 +6295,7 @@
           <a:p>
             <a:fld id="{78A2903C-F3BF-4867-8B28-9F59D1AC7282}" type="datetime1">
               <a:rPr lang="ko-KR" altLang="en-US" smtClean="0"/>
-              <a:t>2018-06-12</a:t>
+              <a:t>2018-06-13</a:t>
             </a:fld>
             <a:endParaRPr lang="ko-KR" altLang="en-US" dirty="0"/>
           </a:p>
@@ -6458,7 +6544,7 @@
           <a:p>
             <a:fld id="{FEECEE3F-4AAC-445E-A56B-207B09A7C298}" type="datetime1">
               <a:rPr lang="ko-KR" altLang="en-US" smtClean="0"/>
-              <a:t>2018-06-12</a:t>
+              <a:t>2018-06-13</a:t>
             </a:fld>
             <a:endParaRPr lang="ko-KR" altLang="en-US" dirty="0"/>
           </a:p>
@@ -7045,224 +7131,13 @@
           <a:p>
             <a:r>
               <a:rPr lang="ko-KR" altLang="en-US" dirty="0"/>
-              <a:t>구현 상황</a:t>
-            </a:r>
-          </a:p>
-        </p:txBody>
-      </p:sp>
-      <p:pic>
-        <p:nvPicPr>
-          <p:cNvPr id="9" name="내용 개체 틀 8" descr="스크린샷이(가) 표시된 사진&#10;&#10;매우 높은 신뢰도로 생성된 설명">
-            <a:extLst>
-              <a:ext uri="{FF2B5EF4-FFF2-40B4-BE49-F238E27FC236}">
-                <a16:creationId xmlns:a16="http://schemas.microsoft.com/office/drawing/2014/main" id="{A7A78DEA-FE16-4431-8D29-6802E0F7FB0D}"/>
-              </a:ext>
-            </a:extLst>
-          </p:cNvPr>
-          <p:cNvPicPr>
-            <a:picLocks noGrp="1" noChangeAspect="1"/>
-          </p:cNvPicPr>
-          <p:nvPr>
-            <p:ph sz="half" idx="1"/>
-          </p:nvPr>
-        </p:nvPicPr>
-        <p:blipFill>
-          <a:blip r:embed="rId2">
-            <a:extLst>
-              <a:ext uri="{28A0092B-C50C-407E-A947-70E740481C1C}">
-                <a14:useLocalDpi xmlns:a14="http://schemas.microsoft.com/office/drawing/2010/main" val="0"/>
-              </a:ext>
-            </a:extLst>
-          </a:blip>
-          <a:stretch>
-            <a:fillRect/>
-          </a:stretch>
-        </p:blipFill>
-        <p:spPr>
-          <a:xfrm>
-            <a:off x="1729049" y="2193925"/>
-            <a:ext cx="3247501" cy="4024313"/>
-          </a:xfrm>
-        </p:spPr>
-      </p:pic>
-      <p:pic>
-        <p:nvPicPr>
-          <p:cNvPr id="11" name="내용 개체 틀 10" descr="스크린샷이(가) 표시된 사진&#10;&#10;매우 높은 신뢰도로 생성된 설명">
-            <a:extLst>
-              <a:ext uri="{FF2B5EF4-FFF2-40B4-BE49-F238E27FC236}">
-                <a16:creationId xmlns:a16="http://schemas.microsoft.com/office/drawing/2014/main" id="{E05ABD92-19E1-4691-B867-0BD74BD7299B}"/>
-              </a:ext>
-            </a:extLst>
-          </p:cNvPr>
-          <p:cNvPicPr>
-            <a:picLocks noGrp="1" noChangeAspect="1"/>
-          </p:cNvPicPr>
-          <p:nvPr>
-            <p:ph sz="half" idx="2"/>
-          </p:nvPr>
-        </p:nvPicPr>
-        <p:blipFill>
-          <a:blip r:embed="rId3">
-            <a:extLst>
-              <a:ext uri="{28A0092B-C50C-407E-A947-70E740481C1C}">
-                <a14:useLocalDpi xmlns:a14="http://schemas.microsoft.com/office/drawing/2010/main" val="0"/>
-              </a:ext>
-            </a:extLst>
-          </a:blip>
-          <a:stretch>
-            <a:fillRect/>
-          </a:stretch>
-        </p:blipFill>
-        <p:spPr>
-          <a:xfrm>
-            <a:off x="7215449" y="2193925"/>
-            <a:ext cx="3247501" cy="4024313"/>
-          </a:xfrm>
-        </p:spPr>
-      </p:pic>
-      <p:sp>
-        <p:nvSpPr>
-          <p:cNvPr id="5" name="날짜 개체 틀 4">
-            <a:extLst>
-              <a:ext uri="{FF2B5EF4-FFF2-40B4-BE49-F238E27FC236}">
-                <a16:creationId xmlns:a16="http://schemas.microsoft.com/office/drawing/2014/main" id="{C2CA9CFE-CAA1-482D-BB5D-E41024CD9DB9}"/>
-              </a:ext>
-            </a:extLst>
-          </p:cNvPr>
-          <p:cNvSpPr>
-            <a:spLocks noGrp="1"/>
-          </p:cNvSpPr>
-          <p:nvPr>
-            <p:ph type="dt" sz="half" idx="10"/>
-          </p:nvPr>
-        </p:nvSpPr>
-        <p:spPr/>
-        <p:txBody>
-          <a:bodyPr/>
-          <a:lstStyle/>
-          <a:p>
-            <a:fld id="{BF360A28-0953-48E8-A32C-D3D2459A400B}" type="datetime1">
-              <a:rPr lang="ko-KR" altLang="en-US" smtClean="0"/>
-              <a:t>2018-06-12</a:t>
-            </a:fld>
+              <a:t>구현 </a:t>
+            </a:r>
+            <a:r>
+              <a:rPr lang="en-US" altLang="ko-KR" dirty="0"/>
+              <a:t>4</a:t>
+            </a:r>
             <a:endParaRPr lang="ko-KR" altLang="en-US" dirty="0"/>
-          </a:p>
-        </p:txBody>
-      </p:sp>
-      <p:sp>
-        <p:nvSpPr>
-          <p:cNvPr id="6" name="바닥글 개체 틀 5">
-            <a:extLst>
-              <a:ext uri="{FF2B5EF4-FFF2-40B4-BE49-F238E27FC236}">
-                <a16:creationId xmlns:a16="http://schemas.microsoft.com/office/drawing/2014/main" id="{5BBFD272-4CD2-43A4-AE3C-FBA86BC9FB69}"/>
-              </a:ext>
-            </a:extLst>
-          </p:cNvPr>
-          <p:cNvSpPr>
-            <a:spLocks noGrp="1"/>
-          </p:cNvSpPr>
-          <p:nvPr>
-            <p:ph type="ftr" sz="quarter" idx="11"/>
-          </p:nvPr>
-        </p:nvSpPr>
-        <p:spPr/>
-        <p:txBody>
-          <a:bodyPr/>
-          <a:lstStyle/>
-          <a:p>
-            <a:r>
-              <a:rPr lang="ko-KR" altLang="en-US"/>
-              <a:t>의무의 부름</a:t>
-            </a:r>
-            <a:endParaRPr lang="ko-KR" altLang="en-US" dirty="0"/>
-          </a:p>
-        </p:txBody>
-      </p:sp>
-      <p:sp>
-        <p:nvSpPr>
-          <p:cNvPr id="7" name="슬라이드 번호 개체 틀 6">
-            <a:extLst>
-              <a:ext uri="{FF2B5EF4-FFF2-40B4-BE49-F238E27FC236}">
-                <a16:creationId xmlns:a16="http://schemas.microsoft.com/office/drawing/2014/main" id="{FAC30601-B245-481B-98EA-E995A7F5D573}"/>
-              </a:ext>
-            </a:extLst>
-          </p:cNvPr>
-          <p:cNvSpPr>
-            <a:spLocks noGrp="1"/>
-          </p:cNvSpPr>
-          <p:nvPr>
-            <p:ph type="sldNum" sz="quarter" idx="12"/>
-          </p:nvPr>
-        </p:nvSpPr>
-        <p:spPr/>
-        <p:txBody>
-          <a:bodyPr/>
-          <a:lstStyle/>
-          <a:p>
-            <a:fld id="{E5B29C50-D6F1-4DB6-9B68-F4CD3996E9CF}" type="slidenum">
-              <a:rPr lang="en-US" altLang="ko-KR" smtClean="0"/>
-              <a:pPr/>
-              <a:t>10</a:t>
-            </a:fld>
-            <a:endParaRPr lang="ko-KR" altLang="en-US" dirty="0"/>
-          </a:p>
-        </p:txBody>
-      </p:sp>
-    </p:spTree>
-    <p:extLst>
-      <p:ext uri="{BB962C8B-B14F-4D97-AF65-F5344CB8AC3E}">
-        <p14:creationId xmlns:p14="http://schemas.microsoft.com/office/powerpoint/2010/main" val="4247206603"/>
-      </p:ext>
-    </p:extLst>
-  </p:cSld>
-  <p:clrMapOvr>
-    <a:masterClrMapping/>
-  </p:clrMapOvr>
-</p:sld>
-</file>
-
-<file path=ppt/slides/slide11.xml><?xml version="1.0" encoding="utf-8"?>
-<p:sld xmlns:a="http://schemas.openxmlformats.org/drawingml/2006/main" xmlns:r="http://schemas.openxmlformats.org/officeDocument/2006/relationships" xmlns:p="http://schemas.openxmlformats.org/presentationml/2006/main">
-  <p:cSld>
-    <p:spTree>
-      <p:nvGrpSpPr>
-        <p:cNvPr id="1" name=""/>
-        <p:cNvGrpSpPr/>
-        <p:nvPr/>
-      </p:nvGrpSpPr>
-      <p:grpSpPr>
-        <a:xfrm>
-          <a:off x="0" y="0"/>
-          <a:ext cx="0" cy="0"/>
-          <a:chOff x="0" y="0"/>
-          <a:chExt cx="0" cy="0"/>
-        </a:xfrm>
-      </p:grpSpPr>
-      <p:sp>
-        <p:nvSpPr>
-          <p:cNvPr id="2" name="제목 1">
-            <a:extLst>
-              <a:ext uri="{FF2B5EF4-FFF2-40B4-BE49-F238E27FC236}">
-                <a16:creationId xmlns:a16="http://schemas.microsoft.com/office/drawing/2014/main" id="{03C15024-AA5B-4B0C-B5C6-19AFECC56760}"/>
-              </a:ext>
-            </a:extLst>
-          </p:cNvPr>
-          <p:cNvSpPr>
-            <a:spLocks noGrp="1"/>
-          </p:cNvSpPr>
-          <p:nvPr>
-            <p:ph type="title"/>
-          </p:nvPr>
-        </p:nvSpPr>
-        <p:spPr/>
-        <p:txBody>
-          <a:bodyPr/>
-          <a:lstStyle/>
-          <a:p>
-            <a:r>
-              <a:rPr lang="ko-KR" altLang="en-US" dirty="0"/>
-              <a:t>구현 상황</a:t>
-            </a:r>
           </a:p>
         </p:txBody>
       </p:sp>
@@ -7359,7 +7234,7 @@
           <a:p>
             <a:fld id="{BF360A28-0953-48E8-A32C-D3D2459A400B}" type="datetime1">
               <a:rPr lang="ko-KR" altLang="en-US" smtClean="0"/>
-              <a:t>2018-06-12</a:t>
+              <a:t>2018-06-13</a:t>
             </a:fld>
             <a:endParaRPr lang="ko-KR" altLang="en-US" dirty="0"/>
           </a:p>
@@ -7418,7 +7293,7 @@
             <a:fld id="{E5B29C50-D6F1-4DB6-9B68-F4CD3996E9CF}" type="slidenum">
               <a:rPr lang="en-US" altLang="ko-KR" smtClean="0"/>
               <a:pPr/>
-              <a:t>11</a:t>
+              <a:t>10</a:t>
             </a:fld>
             <a:endParaRPr lang="ko-KR" altLang="en-US" dirty="0"/>
           </a:p>
@@ -7437,7 +7312,7 @@
 </p:sld>
 </file>
 
-<file path=ppt/slides/slide12.xml><?xml version="1.0" encoding="utf-8"?>
+<file path=ppt/slides/slide11.xml><?xml version="1.0" encoding="utf-8"?>
 <p:sld xmlns:a="http://schemas.openxmlformats.org/drawingml/2006/main" xmlns:r="http://schemas.openxmlformats.org/officeDocument/2006/relationships" xmlns:p="http://schemas.openxmlformats.org/presentationml/2006/main">
   <p:cSld>
     <p:spTree>
@@ -7544,7 +7419,7 @@
           <a:p>
             <a:fld id="{DB8EA089-EF81-46BC-B39C-CAB023937A49}" type="datetime1">
               <a:rPr lang="ko-KR" altLang="en-US" smtClean="0"/>
-              <a:t>2018-06-12</a:t>
+              <a:t>2018-06-13</a:t>
             </a:fld>
             <a:endParaRPr lang="ko-KR" altLang="en-US" dirty="0"/>
           </a:p>
@@ -7603,7 +7478,7 @@
             <a:fld id="{E5B29C50-D6F1-4DB6-9B68-F4CD3996E9CF}" type="slidenum">
               <a:rPr lang="en-US" altLang="ko-KR" smtClean="0"/>
               <a:pPr/>
-              <a:t>12</a:t>
+              <a:t>11</a:t>
             </a:fld>
             <a:endParaRPr lang="ko-KR" altLang="en-US" dirty="0"/>
           </a:p>
@@ -7765,7 +7640,7 @@
           <a:p>
             <a:fld id="{EBF20CC2-CFCD-4C24-B7FA-219BA0AB2A25}" type="datetime1">
               <a:rPr lang="ko-KR" altLang="en-US" smtClean="0"/>
-              <a:t>2018-06-12</a:t>
+              <a:t>2018-06-13</a:t>
             </a:fld>
             <a:endParaRPr lang="ko-KR" altLang="en-US" dirty="0"/>
           </a:p>
@@ -7879,13 +7754,31 @@
         </p:nvSpPr>
         <p:spPr/>
         <p:txBody>
-          <a:bodyPr/>
+          <a:bodyPr>
+            <a:normAutofit/>
+          </a:bodyPr>
           <a:lstStyle/>
           <a:p>
             <a:r>
               <a:rPr lang="ko-KR" altLang="en-US" dirty="0"/>
               <a:t>역할 분담</a:t>
             </a:r>
+            <a:br>
+              <a:rPr lang="en-US" altLang="ko-KR" dirty="0"/>
+            </a:br>
+            <a:r>
+              <a:rPr lang="en-US" altLang="ko-KR" sz="2200" dirty="0"/>
+              <a:t>* </a:t>
+            </a:r>
+            <a:r>
+              <a:rPr lang="ko-KR" altLang="en-US" sz="2200" dirty="0"/>
+              <a:t>개인 보고서에 자세한 내용을 넣었습니다</a:t>
+            </a:r>
+            <a:r>
+              <a:rPr lang="en-US" altLang="ko-KR" sz="2200" dirty="0"/>
+              <a:t>.</a:t>
+            </a:r>
+            <a:endParaRPr lang="ko-KR" altLang="en-US" sz="2200" dirty="0"/>
           </a:p>
         </p:txBody>
       </p:sp>
@@ -8095,7 +7988,7 @@
           <a:p>
             <a:fld id="{7A9E711F-4025-4EDE-8A84-F54DBC8EA711}" type="datetime1">
               <a:rPr lang="ko-KR" altLang="en-US" smtClean="0"/>
-              <a:t>2018-06-12</a:t>
+              <a:t>2018-06-13</a:t>
             </a:fld>
             <a:endParaRPr lang="ko-KR" altLang="en-US" dirty="0"/>
           </a:p>
@@ -8196,260 +8089,6 @@
           <p:cNvPr id="2" name="제목 1">
             <a:extLst>
               <a:ext uri="{FF2B5EF4-FFF2-40B4-BE49-F238E27FC236}">
-                <a16:creationId xmlns:a16="http://schemas.microsoft.com/office/drawing/2014/main" id="{FF084062-44E0-4864-9078-7EB60B3E355B}"/>
-              </a:ext>
-            </a:extLst>
-          </p:cNvPr>
-          <p:cNvSpPr>
-            <a:spLocks noGrp="1"/>
-          </p:cNvSpPr>
-          <p:nvPr>
-            <p:ph type="title"/>
-          </p:nvPr>
-        </p:nvSpPr>
-        <p:spPr/>
-        <p:txBody>
-          <a:bodyPr/>
-          <a:lstStyle/>
-          <a:p>
-            <a:r>
-              <a:rPr lang="ko-KR" altLang="en-US" dirty="0"/>
-              <a:t>역할 분담 상세</a:t>
-            </a:r>
-          </a:p>
-        </p:txBody>
-      </p:sp>
-      <p:sp>
-        <p:nvSpPr>
-          <p:cNvPr id="3" name="텍스트 개체 틀 2">
-            <a:extLst>
-              <a:ext uri="{FF2B5EF4-FFF2-40B4-BE49-F238E27FC236}">
-                <a16:creationId xmlns:a16="http://schemas.microsoft.com/office/drawing/2014/main" id="{4BBA9521-D483-49F9-AD15-7E09DCC9B5E0}"/>
-              </a:ext>
-            </a:extLst>
-          </p:cNvPr>
-          <p:cNvSpPr>
-            <a:spLocks noGrp="1"/>
-          </p:cNvSpPr>
-          <p:nvPr>
-            <p:ph type="body" idx="1"/>
-          </p:nvPr>
-        </p:nvSpPr>
-        <p:spPr/>
-        <p:txBody>
-          <a:bodyPr/>
-          <a:lstStyle/>
-          <a:p>
-            <a:r>
-              <a:rPr lang="ko-KR" altLang="en-US" dirty="0"/>
-              <a:t>이준성</a:t>
-            </a:r>
-          </a:p>
-        </p:txBody>
-      </p:sp>
-      <p:sp>
-        <p:nvSpPr>
-          <p:cNvPr id="4" name="내용 개체 틀 3">
-            <a:extLst>
-              <a:ext uri="{FF2B5EF4-FFF2-40B4-BE49-F238E27FC236}">
-                <a16:creationId xmlns:a16="http://schemas.microsoft.com/office/drawing/2014/main" id="{15B40495-C97C-41D6-AAF8-CE583A229916}"/>
-              </a:ext>
-            </a:extLst>
-          </p:cNvPr>
-          <p:cNvSpPr>
-            <a:spLocks noGrp="1"/>
-          </p:cNvSpPr>
-          <p:nvPr>
-            <p:ph sz="half" idx="2"/>
-          </p:nvPr>
-        </p:nvSpPr>
-        <p:spPr/>
-        <p:txBody>
-          <a:bodyPr/>
-          <a:lstStyle/>
-          <a:p>
-            <a:endParaRPr lang="ko-KR" altLang="en-US" dirty="0"/>
-          </a:p>
-        </p:txBody>
-      </p:sp>
-      <p:sp>
-        <p:nvSpPr>
-          <p:cNvPr id="5" name="텍스트 개체 틀 4">
-            <a:extLst>
-              <a:ext uri="{FF2B5EF4-FFF2-40B4-BE49-F238E27FC236}">
-                <a16:creationId xmlns:a16="http://schemas.microsoft.com/office/drawing/2014/main" id="{249C41B6-F868-4AA2-941E-AF87267D0559}"/>
-              </a:ext>
-            </a:extLst>
-          </p:cNvPr>
-          <p:cNvSpPr>
-            <a:spLocks noGrp="1"/>
-          </p:cNvSpPr>
-          <p:nvPr>
-            <p:ph type="body" sz="quarter" idx="3"/>
-          </p:nvPr>
-        </p:nvSpPr>
-        <p:spPr/>
-        <p:txBody>
-          <a:bodyPr/>
-          <a:lstStyle/>
-          <a:p>
-            <a:r>
-              <a:rPr lang="ko-KR" altLang="en-US" dirty="0" err="1"/>
-              <a:t>진윤성</a:t>
-            </a:r>
-            <a:endParaRPr lang="ko-KR" altLang="en-US" dirty="0"/>
-          </a:p>
-        </p:txBody>
-      </p:sp>
-      <p:sp>
-        <p:nvSpPr>
-          <p:cNvPr id="6" name="내용 개체 틀 5">
-            <a:extLst>
-              <a:ext uri="{FF2B5EF4-FFF2-40B4-BE49-F238E27FC236}">
-                <a16:creationId xmlns:a16="http://schemas.microsoft.com/office/drawing/2014/main" id="{8E134D05-8329-4536-864C-CE8211FD7A01}"/>
-              </a:ext>
-            </a:extLst>
-          </p:cNvPr>
-          <p:cNvSpPr>
-            <a:spLocks noGrp="1"/>
-          </p:cNvSpPr>
-          <p:nvPr>
-            <p:ph sz="quarter" idx="4"/>
-          </p:nvPr>
-        </p:nvSpPr>
-        <p:spPr/>
-        <p:txBody>
-          <a:bodyPr/>
-          <a:lstStyle/>
-          <a:p>
-            <a:endParaRPr lang="ko-KR" altLang="en-US"/>
-          </a:p>
-        </p:txBody>
-      </p:sp>
-      <p:sp>
-        <p:nvSpPr>
-          <p:cNvPr id="7" name="날짜 개체 틀 6">
-            <a:extLst>
-              <a:ext uri="{FF2B5EF4-FFF2-40B4-BE49-F238E27FC236}">
-                <a16:creationId xmlns:a16="http://schemas.microsoft.com/office/drawing/2014/main" id="{13FA1271-CF92-4BE7-8A05-98AA329F8817}"/>
-              </a:ext>
-            </a:extLst>
-          </p:cNvPr>
-          <p:cNvSpPr>
-            <a:spLocks noGrp="1"/>
-          </p:cNvSpPr>
-          <p:nvPr>
-            <p:ph type="dt" sz="half" idx="10"/>
-          </p:nvPr>
-        </p:nvSpPr>
-        <p:spPr/>
-        <p:txBody>
-          <a:bodyPr/>
-          <a:lstStyle/>
-          <a:p>
-            <a:fld id="{A2489055-9825-43D0-9A5B-047E6F0DC709}" type="datetime1">
-              <a:rPr lang="ko-KR" altLang="en-US" smtClean="0"/>
-              <a:t>2018-06-12</a:t>
-            </a:fld>
-            <a:endParaRPr lang="ko-KR" altLang="en-US" dirty="0"/>
-          </a:p>
-        </p:txBody>
-      </p:sp>
-      <p:sp>
-        <p:nvSpPr>
-          <p:cNvPr id="8" name="바닥글 개체 틀 7">
-            <a:extLst>
-              <a:ext uri="{FF2B5EF4-FFF2-40B4-BE49-F238E27FC236}">
-                <a16:creationId xmlns:a16="http://schemas.microsoft.com/office/drawing/2014/main" id="{AE2D28A1-1E85-490A-BEB7-B93C661B4B2B}"/>
-              </a:ext>
-            </a:extLst>
-          </p:cNvPr>
-          <p:cNvSpPr>
-            <a:spLocks noGrp="1"/>
-          </p:cNvSpPr>
-          <p:nvPr>
-            <p:ph type="ftr" sz="quarter" idx="11"/>
-          </p:nvPr>
-        </p:nvSpPr>
-        <p:spPr/>
-        <p:txBody>
-          <a:bodyPr/>
-          <a:lstStyle/>
-          <a:p>
-            <a:pPr rtl="0"/>
-            <a:r>
-              <a:rPr lang="ko-KR" altLang="en-US"/>
-              <a:t>의무의 부름</a:t>
-            </a:r>
-            <a:endParaRPr lang="ko-KR" altLang="en-US" dirty="0"/>
-          </a:p>
-        </p:txBody>
-      </p:sp>
-      <p:sp>
-        <p:nvSpPr>
-          <p:cNvPr id="9" name="슬라이드 번호 개체 틀 8">
-            <a:extLst>
-              <a:ext uri="{FF2B5EF4-FFF2-40B4-BE49-F238E27FC236}">
-                <a16:creationId xmlns:a16="http://schemas.microsoft.com/office/drawing/2014/main" id="{AC95E644-7456-44CF-8664-4AEEA054F9BB}"/>
-              </a:ext>
-            </a:extLst>
-          </p:cNvPr>
-          <p:cNvSpPr>
-            <a:spLocks noGrp="1"/>
-          </p:cNvSpPr>
-          <p:nvPr>
-            <p:ph type="sldNum" sz="quarter" idx="12"/>
-          </p:nvPr>
-        </p:nvSpPr>
-        <p:spPr/>
-        <p:txBody>
-          <a:bodyPr/>
-          <a:lstStyle/>
-          <a:p>
-            <a:pPr rtl="0"/>
-            <a:fld id="{E5B29C50-D6F1-4DB6-9B68-F4CD3996E9CF}" type="slidenum">
-              <a:rPr lang="en-US" altLang="ko-KR" noProof="0" smtClean="0"/>
-              <a:t>4</a:t>
-            </a:fld>
-            <a:endParaRPr lang="ko-KR" altLang="en-US" noProof="0" dirty="0"/>
-          </a:p>
-        </p:txBody>
-      </p:sp>
-    </p:spTree>
-    <p:extLst>
-      <p:ext uri="{BB962C8B-B14F-4D97-AF65-F5344CB8AC3E}">
-        <p14:creationId xmlns:p14="http://schemas.microsoft.com/office/powerpoint/2010/main" val="3762713400"/>
-      </p:ext>
-    </p:extLst>
-  </p:cSld>
-  <p:clrMapOvr>
-    <a:masterClrMapping/>
-  </p:clrMapOvr>
-</p:sld>
-</file>
-
-<file path=ppt/slides/slide5.xml><?xml version="1.0" encoding="utf-8"?>
-<p:sld xmlns:a="http://schemas.openxmlformats.org/drawingml/2006/main" xmlns:r="http://schemas.openxmlformats.org/officeDocument/2006/relationships" xmlns:p="http://schemas.openxmlformats.org/presentationml/2006/main">
-  <p:cSld>
-    <p:spTree>
-      <p:nvGrpSpPr>
-        <p:cNvPr id="1" name=""/>
-        <p:cNvGrpSpPr/>
-        <p:nvPr/>
-      </p:nvGrpSpPr>
-      <p:grpSpPr>
-        <a:xfrm>
-          <a:off x="0" y="0"/>
-          <a:ext cx="0" cy="0"/>
-          <a:chOff x="0" y="0"/>
-          <a:chExt cx="0" cy="0"/>
-        </a:xfrm>
-      </p:grpSpPr>
-      <p:sp>
-        <p:nvSpPr>
-          <p:cNvPr id="2" name="제목 1">
-            <a:extLst>
-              <a:ext uri="{FF2B5EF4-FFF2-40B4-BE49-F238E27FC236}">
                 <a16:creationId xmlns:a16="http://schemas.microsoft.com/office/drawing/2014/main" id="{9A968E68-255C-4FE2-B32A-FCED31B73C31}"/>
               </a:ext>
             </a:extLst>
@@ -8528,7 +8167,7 @@
           <a:p>
             <a:fld id="{E222BEA7-66FE-4747-A979-A75756551899}" type="datetime1">
               <a:rPr lang="ko-KR" altLang="en-US" smtClean="0"/>
-              <a:t>2018-06-12</a:t>
+              <a:t>2018-06-13</a:t>
             </a:fld>
             <a:endParaRPr lang="ko-KR" altLang="en-US" dirty="0"/>
           </a:p>
@@ -8588,7 +8227,7 @@
             <a:pPr rtl="0"/>
             <a:fld id="{E5B29C50-D6F1-4DB6-9B68-F4CD3996E9CF}" type="slidenum">
               <a:rPr lang="en-US" altLang="ko-KR" noProof="0" smtClean="0"/>
-              <a:t>5</a:t>
+              <a:t>4</a:t>
             </a:fld>
             <a:endParaRPr lang="ko-KR" altLang="en-US" noProof="0" dirty="0"/>
           </a:p>
@@ -8607,7 +8246,7 @@
 </p:sld>
 </file>
 
-<file path=ppt/slides/slide6.xml><?xml version="1.0" encoding="utf-8"?>
+<file path=ppt/slides/slide5.xml><?xml version="1.0" encoding="utf-8"?>
 <p:sld xmlns:a="http://schemas.openxmlformats.org/drawingml/2006/main" xmlns:r="http://schemas.openxmlformats.org/officeDocument/2006/relationships" xmlns:p="http://schemas.openxmlformats.org/presentationml/2006/main">
   <p:cSld>
     <p:spTree>
@@ -9363,7 +9002,7 @@
           <a:p>
             <a:fld id="{5697CC4A-D4E8-42EC-B30D-A5BE5BC5338F}" type="datetime1">
               <a:rPr lang="ko-KR" altLang="en-US" smtClean="0"/>
-              <a:t>2018-06-12</a:t>
+              <a:t>2018-06-13</a:t>
             </a:fld>
             <a:endParaRPr lang="ko-KR" altLang="en-US" dirty="0"/>
           </a:p>
@@ -9423,7 +9062,7 @@
             <a:pPr rtl="0"/>
             <a:fld id="{E5B29C50-D6F1-4DB6-9B68-F4CD3996E9CF}" type="slidenum">
               <a:rPr lang="en-US" altLang="ko-KR" noProof="0" smtClean="0"/>
-              <a:t>6</a:t>
+              <a:t>5</a:t>
             </a:fld>
             <a:endParaRPr lang="ko-KR" altLang="en-US" noProof="0" dirty="0"/>
           </a:p>
@@ -9433,6 +9072,216 @@
     <p:extLst>
       <p:ext uri="{BB962C8B-B14F-4D97-AF65-F5344CB8AC3E}">
         <p14:creationId xmlns:p14="http://schemas.microsoft.com/office/powerpoint/2010/main" val="1668658186"/>
+      </p:ext>
+    </p:extLst>
+  </p:cSld>
+  <p:clrMapOvr>
+    <a:masterClrMapping/>
+  </p:clrMapOvr>
+</p:sld>
+</file>
+
+<file path=ppt/slides/slide6.xml><?xml version="1.0" encoding="utf-8"?>
+<p:sld xmlns:a="http://schemas.openxmlformats.org/drawingml/2006/main" xmlns:r="http://schemas.openxmlformats.org/officeDocument/2006/relationships" xmlns:p="http://schemas.openxmlformats.org/presentationml/2006/main">
+  <p:cSld>
+    <p:spTree>
+      <p:nvGrpSpPr>
+        <p:cNvPr id="1" name=""/>
+        <p:cNvGrpSpPr/>
+        <p:nvPr/>
+      </p:nvGrpSpPr>
+      <p:grpSpPr>
+        <a:xfrm>
+          <a:off x="0" y="0"/>
+          <a:ext cx="0" cy="0"/>
+          <a:chOff x="0" y="0"/>
+          <a:chExt cx="0" cy="0"/>
+        </a:xfrm>
+      </p:grpSpPr>
+      <p:sp>
+        <p:nvSpPr>
+          <p:cNvPr id="2" name="제목 1">
+            <a:extLst>
+              <a:ext uri="{FF2B5EF4-FFF2-40B4-BE49-F238E27FC236}">
+                <a16:creationId xmlns:a16="http://schemas.microsoft.com/office/drawing/2014/main" id="{961EF581-BB56-4F30-A2ED-724AD8F89893}"/>
+              </a:ext>
+            </a:extLst>
+          </p:cNvPr>
+          <p:cNvSpPr>
+            <a:spLocks noGrp="1"/>
+          </p:cNvSpPr>
+          <p:nvPr>
+            <p:ph type="title"/>
+          </p:nvPr>
+        </p:nvSpPr>
+        <p:spPr/>
+        <p:txBody>
+          <a:bodyPr/>
+          <a:lstStyle/>
+          <a:p>
+            <a:r>
+              <a:rPr lang="ko-KR" altLang="en-US" dirty="0"/>
+              <a:t>구현 상황</a:t>
+            </a:r>
+          </a:p>
+        </p:txBody>
+      </p:sp>
+      <p:pic>
+        <p:nvPicPr>
+          <p:cNvPr id="9" name="내용 개체 틀 8" descr="스크린샷, 하늘이(가) 표시된 사진&#10;&#10;높은 신뢰도로 생성된 설명">
+            <a:extLst>
+              <a:ext uri="{FF2B5EF4-FFF2-40B4-BE49-F238E27FC236}">
+                <a16:creationId xmlns:a16="http://schemas.microsoft.com/office/drawing/2014/main" id="{0F29D1F4-816D-488C-A62A-F95EAFE4444A}"/>
+              </a:ext>
+            </a:extLst>
+          </p:cNvPr>
+          <p:cNvPicPr>
+            <a:picLocks noGrp="1" noChangeAspect="1"/>
+          </p:cNvPicPr>
+          <p:nvPr>
+            <p:ph idx="1"/>
+          </p:nvPr>
+        </p:nvPicPr>
+        <p:blipFill>
+          <a:blip r:embed="rId2">
+            <a:extLst>
+              <a:ext uri="{28A0092B-C50C-407E-A947-70E740481C1C}">
+                <a14:useLocalDpi xmlns:a14="http://schemas.microsoft.com/office/drawing/2010/main" val="0"/>
+              </a:ext>
+            </a:extLst>
+          </a:blip>
+          <a:stretch>
+            <a:fillRect/>
+          </a:stretch>
+        </p:blipFill>
+        <p:spPr>
+          <a:xfrm>
+            <a:off x="5196524" y="1621536"/>
+            <a:ext cx="6109014" cy="3721291"/>
+          </a:xfrm>
+        </p:spPr>
+      </p:pic>
+      <p:sp>
+        <p:nvSpPr>
+          <p:cNvPr id="4" name="텍스트 개체 틀 3">
+            <a:extLst>
+              <a:ext uri="{FF2B5EF4-FFF2-40B4-BE49-F238E27FC236}">
+                <a16:creationId xmlns:a16="http://schemas.microsoft.com/office/drawing/2014/main" id="{94D421EA-4531-41BB-9F49-8C3F91D1450F}"/>
+              </a:ext>
+            </a:extLst>
+          </p:cNvPr>
+          <p:cNvSpPr>
+            <a:spLocks noGrp="1"/>
+          </p:cNvSpPr>
+          <p:nvPr>
+            <p:ph type="body" sz="half" idx="2"/>
+          </p:nvPr>
+        </p:nvSpPr>
+        <p:spPr/>
+        <p:txBody>
+          <a:bodyPr/>
+          <a:lstStyle/>
+          <a:p>
+            <a:r>
+              <a:rPr lang="ko-KR" altLang="en-US" dirty="0"/>
+              <a:t>메인 화면</a:t>
+            </a:r>
+          </a:p>
+        </p:txBody>
+      </p:sp>
+      <p:sp>
+        <p:nvSpPr>
+          <p:cNvPr id="5" name="날짜 개체 틀 4">
+            <a:extLst>
+              <a:ext uri="{FF2B5EF4-FFF2-40B4-BE49-F238E27FC236}">
+                <a16:creationId xmlns:a16="http://schemas.microsoft.com/office/drawing/2014/main" id="{45638CC1-53AF-484A-BAAA-E460F7752903}"/>
+              </a:ext>
+            </a:extLst>
+          </p:cNvPr>
+          <p:cNvSpPr>
+            <a:spLocks noGrp="1"/>
+          </p:cNvSpPr>
+          <p:nvPr>
+            <p:ph type="dt" sz="half" idx="10"/>
+          </p:nvPr>
+        </p:nvSpPr>
+        <p:spPr/>
+        <p:txBody>
+          <a:bodyPr/>
+          <a:lstStyle/>
+          <a:p>
+            <a:fld id="{A5C20D44-CED2-40A0-8D67-D866055EF574}" type="datetime1">
+              <a:rPr lang="ko-KR" altLang="en-US" smtClean="0"/>
+              <a:t>2018-06-13</a:t>
+            </a:fld>
+            <a:endParaRPr lang="ko-KR" altLang="en-US" dirty="0"/>
+          </a:p>
+        </p:txBody>
+      </p:sp>
+      <p:sp>
+        <p:nvSpPr>
+          <p:cNvPr id="6" name="바닥글 개체 틀 5">
+            <a:extLst>
+              <a:ext uri="{FF2B5EF4-FFF2-40B4-BE49-F238E27FC236}">
+                <a16:creationId xmlns:a16="http://schemas.microsoft.com/office/drawing/2014/main" id="{ADDB7765-B980-4A6A-A110-2AA30CBAF93D}"/>
+              </a:ext>
+            </a:extLst>
+          </p:cNvPr>
+          <p:cNvSpPr>
+            <a:spLocks noGrp="1"/>
+          </p:cNvSpPr>
+          <p:nvPr>
+            <p:ph type="ftr" sz="quarter" idx="11"/>
+          </p:nvPr>
+        </p:nvSpPr>
+        <p:spPr/>
+        <p:txBody>
+          <a:bodyPr/>
+          <a:lstStyle/>
+          <a:p>
+            <a:pPr rtl="0"/>
+            <a:r>
+              <a:rPr lang="ko-KR" altLang="en-US" noProof="0"/>
+              <a:t>의무의 부름</a:t>
+            </a:r>
+            <a:endParaRPr lang="ko-KR" altLang="en-US" noProof="0" dirty="0"/>
+          </a:p>
+        </p:txBody>
+      </p:sp>
+      <p:sp>
+        <p:nvSpPr>
+          <p:cNvPr id="7" name="슬라이드 번호 개체 틀 6">
+            <a:extLst>
+              <a:ext uri="{FF2B5EF4-FFF2-40B4-BE49-F238E27FC236}">
+                <a16:creationId xmlns:a16="http://schemas.microsoft.com/office/drawing/2014/main" id="{2FAD91EA-9A1F-4919-B39C-D18C3F9D7701}"/>
+              </a:ext>
+            </a:extLst>
+          </p:cNvPr>
+          <p:cNvSpPr>
+            <a:spLocks noGrp="1"/>
+          </p:cNvSpPr>
+          <p:nvPr>
+            <p:ph type="sldNum" sz="quarter" idx="12"/>
+          </p:nvPr>
+        </p:nvSpPr>
+        <p:spPr/>
+        <p:txBody>
+          <a:bodyPr/>
+          <a:lstStyle/>
+          <a:p>
+            <a:pPr rtl="0"/>
+            <a:fld id="{E5B29C50-D6F1-4DB6-9B68-F4CD3996E9CF}" type="slidenum">
+              <a:rPr lang="en-US" altLang="ko-KR" noProof="0" smtClean="0"/>
+              <a:t>6</a:t>
+            </a:fld>
+            <a:endParaRPr lang="ko-KR" altLang="en-US" noProof="0" dirty="0"/>
+          </a:p>
+        </p:txBody>
+      </p:sp>
+    </p:spTree>
+    <p:extLst>
+      <p:ext uri="{BB962C8B-B14F-4D97-AF65-F5344CB8AC3E}">
+        <p14:creationId xmlns:p14="http://schemas.microsoft.com/office/powerpoint/2010/main" val="2540166230"/>
       </p:ext>
     </p:extLst>
   </p:cSld>
@@ -9464,7 +9313,7 @@
           <p:cNvPr id="2" name="제목 1">
             <a:extLst>
               <a:ext uri="{FF2B5EF4-FFF2-40B4-BE49-F238E27FC236}">
-                <a16:creationId xmlns:a16="http://schemas.microsoft.com/office/drawing/2014/main" id="{961EF581-BB56-4F30-A2ED-724AD8F89893}"/>
+                <a16:creationId xmlns:a16="http://schemas.microsoft.com/office/drawing/2014/main" id="{03C15024-AA5B-4B0C-B5C6-19AFECC56760}"/>
               </a:ext>
             </a:extLst>
           </p:cNvPr>
@@ -9482,52 +9331,47 @@
           <a:p>
             <a:r>
               <a:rPr lang="ko-KR" altLang="en-US" dirty="0"/>
-              <a:t>구현 상황</a:t>
-            </a:r>
-          </a:p>
-        </p:txBody>
-      </p:sp>
-      <p:pic>
-        <p:nvPicPr>
-          <p:cNvPr id="9" name="내용 개체 틀 8" descr="스크린샷, 하늘이(가) 표시된 사진&#10;&#10;높은 신뢰도로 생성된 설명">
+              <a:t>구현 </a:t>
+            </a:r>
+            <a:r>
+              <a:rPr lang="en-US" altLang="ko-KR" dirty="0"/>
+              <a:t>1</a:t>
+            </a:r>
+            <a:endParaRPr lang="ko-KR" altLang="en-US" dirty="0"/>
+          </a:p>
+        </p:txBody>
+      </p:sp>
+      <p:sp>
+        <p:nvSpPr>
+          <p:cNvPr id="3" name="내용 개체 틀 2">
             <a:extLst>
               <a:ext uri="{FF2B5EF4-FFF2-40B4-BE49-F238E27FC236}">
-                <a16:creationId xmlns:a16="http://schemas.microsoft.com/office/drawing/2014/main" id="{0F29D1F4-816D-488C-A62A-F95EAFE4444A}"/>
+                <a16:creationId xmlns:a16="http://schemas.microsoft.com/office/drawing/2014/main" id="{D20DD24A-7257-428F-BAAB-24B82FAB7A2E}"/>
               </a:ext>
             </a:extLst>
           </p:cNvPr>
-          <p:cNvPicPr>
-            <a:picLocks noGrp="1" noChangeAspect="1"/>
-          </p:cNvPicPr>
-          <p:nvPr>
-            <p:ph idx="1"/>
-          </p:nvPr>
-        </p:nvPicPr>
-        <p:blipFill>
-          <a:blip r:embed="rId2">
-            <a:extLst>
-              <a:ext uri="{28A0092B-C50C-407E-A947-70E740481C1C}">
-                <a14:useLocalDpi xmlns:a14="http://schemas.microsoft.com/office/drawing/2010/main" val="0"/>
-              </a:ext>
-            </a:extLst>
-          </a:blip>
-          <a:stretch>
-            <a:fillRect/>
-          </a:stretch>
-        </p:blipFill>
-        <p:spPr>
-          <a:xfrm>
-            <a:off x="5196524" y="1621536"/>
-            <a:ext cx="6109014" cy="3721291"/>
-          </a:xfrm>
-        </p:spPr>
-      </p:pic>
-      <p:sp>
-        <p:nvSpPr>
-          <p:cNvPr id="4" name="텍스트 개체 틀 3">
+          <p:cNvSpPr>
+            <a:spLocks noGrp="1"/>
+          </p:cNvSpPr>
+          <p:nvPr>
+            <p:ph sz="half" idx="1"/>
+          </p:nvPr>
+        </p:nvSpPr>
+        <p:spPr/>
+        <p:txBody>
+          <a:bodyPr/>
+          <a:lstStyle/>
+          <a:p>
+            <a:endParaRPr lang="ko-KR" altLang="en-US"/>
+          </a:p>
+        </p:txBody>
+      </p:sp>
+      <p:sp>
+        <p:nvSpPr>
+          <p:cNvPr id="4" name="내용 개체 틀 3">
             <a:extLst>
               <a:ext uri="{FF2B5EF4-FFF2-40B4-BE49-F238E27FC236}">
-                <a16:creationId xmlns:a16="http://schemas.microsoft.com/office/drawing/2014/main" id="{94D421EA-4531-41BB-9F49-8C3F91D1450F}"/>
+                <a16:creationId xmlns:a16="http://schemas.microsoft.com/office/drawing/2014/main" id="{1F708AC0-5E1D-4870-8452-60B8452F7F14}"/>
               </a:ext>
             </a:extLst>
           </p:cNvPr>
@@ -9535,7 +9379,7 @@
             <a:spLocks noGrp="1"/>
           </p:cNvSpPr>
           <p:nvPr>
-            <p:ph type="body" sz="half" idx="2"/>
+            <p:ph sz="half" idx="2"/>
           </p:nvPr>
         </p:nvSpPr>
         <p:spPr/>
@@ -9543,10 +9387,7 @@
           <a:bodyPr/>
           <a:lstStyle/>
           <a:p>
-            <a:r>
-              <a:rPr lang="ko-KR" altLang="en-US" dirty="0"/>
-              <a:t>메인 화면</a:t>
-            </a:r>
+            <a:endParaRPr lang="ko-KR" altLang="en-US"/>
           </a:p>
         </p:txBody>
       </p:sp>
@@ -9555,7 +9396,7 @@
           <p:cNvPr id="5" name="날짜 개체 틀 4">
             <a:extLst>
               <a:ext uri="{FF2B5EF4-FFF2-40B4-BE49-F238E27FC236}">
-                <a16:creationId xmlns:a16="http://schemas.microsoft.com/office/drawing/2014/main" id="{45638CC1-53AF-484A-BAAA-E460F7752903}"/>
+                <a16:creationId xmlns:a16="http://schemas.microsoft.com/office/drawing/2014/main" id="{C2CA9CFE-CAA1-482D-BB5D-E41024CD9DB9}"/>
               </a:ext>
             </a:extLst>
           </p:cNvPr>
@@ -9571,9 +9412,9 @@
           <a:bodyPr/>
           <a:lstStyle/>
           <a:p>
-            <a:fld id="{A5C20D44-CED2-40A0-8D67-D866055EF574}" type="datetime1">
+            <a:fld id="{BF360A28-0953-48E8-A32C-D3D2459A400B}" type="datetime1">
               <a:rPr lang="ko-KR" altLang="en-US" smtClean="0"/>
-              <a:t>2018-06-12</a:t>
+              <a:t>2018-06-13</a:t>
             </a:fld>
             <a:endParaRPr lang="ko-KR" altLang="en-US" dirty="0"/>
           </a:p>
@@ -9584,7 +9425,7 @@
           <p:cNvPr id="6" name="바닥글 개체 틀 5">
             <a:extLst>
               <a:ext uri="{FF2B5EF4-FFF2-40B4-BE49-F238E27FC236}">
-                <a16:creationId xmlns:a16="http://schemas.microsoft.com/office/drawing/2014/main" id="{ADDB7765-B980-4A6A-A110-2AA30CBAF93D}"/>
+                <a16:creationId xmlns:a16="http://schemas.microsoft.com/office/drawing/2014/main" id="{5BBFD272-4CD2-43A4-AE3C-FBA86BC9FB69}"/>
               </a:ext>
             </a:extLst>
           </p:cNvPr>
@@ -9600,12 +9441,11 @@
           <a:bodyPr/>
           <a:lstStyle/>
           <a:p>
-            <a:pPr rtl="0"/>
-            <a:r>
-              <a:rPr lang="ko-KR" altLang="en-US" noProof="0"/>
+            <a:r>
+              <a:rPr lang="ko-KR" altLang="en-US"/>
               <a:t>의무의 부름</a:t>
             </a:r>
-            <a:endParaRPr lang="ko-KR" altLang="en-US" noProof="0" dirty="0"/>
+            <a:endParaRPr lang="ko-KR" altLang="en-US" dirty="0"/>
           </a:p>
         </p:txBody>
       </p:sp>
@@ -9614,7 +9454,7 @@
           <p:cNvPr id="7" name="슬라이드 번호 개체 틀 6">
             <a:extLst>
               <a:ext uri="{FF2B5EF4-FFF2-40B4-BE49-F238E27FC236}">
-                <a16:creationId xmlns:a16="http://schemas.microsoft.com/office/drawing/2014/main" id="{2FAD91EA-9A1F-4919-B39C-D18C3F9D7701}"/>
+                <a16:creationId xmlns:a16="http://schemas.microsoft.com/office/drawing/2014/main" id="{FAC30601-B245-481B-98EA-E995A7F5D573}"/>
               </a:ext>
             </a:extLst>
           </p:cNvPr>
@@ -9630,19 +9470,19 @@
           <a:bodyPr/>
           <a:lstStyle/>
           <a:p>
-            <a:pPr rtl="0"/>
             <a:fld id="{E5B29C50-D6F1-4DB6-9B68-F4CD3996E9CF}" type="slidenum">
-              <a:rPr lang="en-US" altLang="ko-KR" noProof="0" smtClean="0"/>
+              <a:rPr lang="en-US" altLang="ko-KR" smtClean="0"/>
+              <a:pPr/>
               <a:t>7</a:t>
             </a:fld>
-            <a:endParaRPr lang="ko-KR" altLang="en-US" noProof="0" dirty="0"/>
+            <a:endParaRPr lang="ko-KR" altLang="en-US" dirty="0"/>
           </a:p>
         </p:txBody>
       </p:sp>
     </p:spTree>
     <p:extLst>
       <p:ext uri="{BB962C8B-B14F-4D97-AF65-F5344CB8AC3E}">
-        <p14:creationId xmlns:p14="http://schemas.microsoft.com/office/powerpoint/2010/main" val="2540166230"/>
+        <p14:creationId xmlns:p14="http://schemas.microsoft.com/office/powerpoint/2010/main" val="3346087567"/>
       </p:ext>
     </p:extLst>
   </p:cSld>
@@ -9692,61 +9532,51 @@
           <a:p>
             <a:r>
               <a:rPr lang="ko-KR" altLang="en-US" dirty="0"/>
-              <a:t>구현 상황</a:t>
-            </a:r>
-          </a:p>
-        </p:txBody>
-      </p:sp>
-      <p:sp>
-        <p:nvSpPr>
-          <p:cNvPr id="3" name="내용 개체 틀 2">
+              <a:t>구현 </a:t>
+            </a:r>
+            <a:r>
+              <a:rPr lang="en-US" altLang="ko-KR" dirty="0"/>
+              <a:t>2</a:t>
+            </a:r>
+            <a:endParaRPr lang="ko-KR" altLang="en-US" dirty="0"/>
+          </a:p>
+        </p:txBody>
+      </p:sp>
+      <p:pic>
+        <p:nvPicPr>
+          <p:cNvPr id="11" name="내용 개체 틀 10" descr="스크린샷이(가) 표시된 사진&#10;&#10;매우 높은 신뢰도로 생성된 설명">
             <a:extLst>
               <a:ext uri="{FF2B5EF4-FFF2-40B4-BE49-F238E27FC236}">
-                <a16:creationId xmlns:a16="http://schemas.microsoft.com/office/drawing/2014/main" id="{D20DD24A-7257-428F-BAAB-24B82FAB7A2E}"/>
+                <a16:creationId xmlns:a16="http://schemas.microsoft.com/office/drawing/2014/main" id="{8C02C86B-7849-42FB-9058-0C5537691576}"/>
               </a:ext>
             </a:extLst>
           </p:cNvPr>
-          <p:cNvSpPr>
-            <a:spLocks noGrp="1"/>
-          </p:cNvSpPr>
-          <p:nvPr>
-            <p:ph sz="half" idx="1"/>
-          </p:nvPr>
-        </p:nvSpPr>
-        <p:spPr/>
-        <p:txBody>
-          <a:bodyPr/>
-          <a:lstStyle/>
-          <a:p>
-            <a:endParaRPr lang="ko-KR" altLang="en-US"/>
-          </a:p>
-        </p:txBody>
-      </p:sp>
-      <p:sp>
-        <p:nvSpPr>
-          <p:cNvPr id="4" name="내용 개체 틀 3">
+          <p:cNvPicPr>
+            <a:picLocks noGrp="1" noChangeAspect="1"/>
+          </p:cNvPicPr>
+          <p:nvPr>
+            <p:ph sz="half" idx="2"/>
+          </p:nvPr>
+        </p:nvPicPr>
+        <p:blipFill>
+          <a:blip r:embed="rId2">
             <a:extLst>
-              <a:ext uri="{FF2B5EF4-FFF2-40B4-BE49-F238E27FC236}">
-                <a16:creationId xmlns:a16="http://schemas.microsoft.com/office/drawing/2014/main" id="{1F708AC0-5E1D-4870-8452-60B8452F7F14}"/>
+              <a:ext uri="{28A0092B-C50C-407E-A947-70E740481C1C}">
+                <a14:useLocalDpi xmlns:a14="http://schemas.microsoft.com/office/drawing/2010/main" val="0"/>
               </a:ext>
             </a:extLst>
-          </p:cNvPr>
-          <p:cNvSpPr>
-            <a:spLocks noGrp="1"/>
-          </p:cNvSpPr>
-          <p:nvPr>
-            <p:ph sz="half" idx="2"/>
-          </p:nvPr>
-        </p:nvSpPr>
-        <p:spPr/>
-        <p:txBody>
-          <a:bodyPr/>
-          <a:lstStyle/>
-          <a:p>
-            <a:endParaRPr lang="ko-KR" altLang="en-US"/>
-          </a:p>
-        </p:txBody>
-      </p:sp>
+          </a:blip>
+          <a:stretch>
+            <a:fillRect/>
+          </a:stretch>
+        </p:blipFill>
+        <p:spPr>
+          <a:xfrm>
+            <a:off x="6172200" y="2789238"/>
+            <a:ext cx="5334000" cy="2833687"/>
+          </a:xfrm>
+        </p:spPr>
+      </p:pic>
       <p:sp>
         <p:nvSpPr>
           <p:cNvPr id="5" name="날짜 개체 틀 4">
@@ -9770,7 +9600,7 @@
           <a:p>
             <a:fld id="{BF360A28-0953-48E8-A32C-D3D2459A400B}" type="datetime1">
               <a:rPr lang="ko-KR" altLang="en-US" smtClean="0"/>
-              <a:t>2018-06-12</a:t>
+              <a:t>2018-06-13</a:t>
             </a:fld>
             <a:endParaRPr lang="ko-KR" altLang="en-US" dirty="0"/>
           </a:p>
@@ -9835,10 +9665,45 @@
           </a:p>
         </p:txBody>
       </p:sp>
+      <p:pic>
+        <p:nvPicPr>
+          <p:cNvPr id="15" name="내용 개체 틀 14" descr="스크린샷이(가) 표시된 사진&#10;&#10;매우 높은 신뢰도로 생성된 설명">
+            <a:extLst>
+              <a:ext uri="{FF2B5EF4-FFF2-40B4-BE49-F238E27FC236}">
+                <a16:creationId xmlns:a16="http://schemas.microsoft.com/office/drawing/2014/main" id="{0710CBF0-3E40-4305-B8DB-2B2254A09D2B}"/>
+              </a:ext>
+            </a:extLst>
+          </p:cNvPr>
+          <p:cNvPicPr>
+            <a:picLocks noGrp="1" noChangeAspect="1"/>
+          </p:cNvPicPr>
+          <p:nvPr>
+            <p:ph sz="half" idx="1"/>
+          </p:nvPr>
+        </p:nvPicPr>
+        <p:blipFill>
+          <a:blip r:embed="rId3">
+            <a:extLst>
+              <a:ext uri="{28A0092B-C50C-407E-A947-70E740481C1C}">
+                <a14:useLocalDpi xmlns:a14="http://schemas.microsoft.com/office/drawing/2010/main" val="0"/>
+              </a:ext>
+            </a:extLst>
+          </a:blip>
+          <a:stretch>
+            <a:fillRect/>
+          </a:stretch>
+        </p:blipFill>
+        <p:spPr>
+          <a:xfrm>
+            <a:off x="1729049" y="2193925"/>
+            <a:ext cx="3247501" cy="4024313"/>
+          </a:xfrm>
+        </p:spPr>
+      </p:pic>
     </p:spTree>
     <p:extLst>
       <p:ext uri="{BB962C8B-B14F-4D97-AF65-F5344CB8AC3E}">
-        <p14:creationId xmlns:p14="http://schemas.microsoft.com/office/powerpoint/2010/main" val="3346087567"/>
+        <p14:creationId xmlns:p14="http://schemas.microsoft.com/office/powerpoint/2010/main" val="3384489649"/>
       </p:ext>
     </p:extLst>
   </p:cSld>
@@ -9888,61 +9753,86 @@
           <a:p>
             <a:r>
               <a:rPr lang="ko-KR" altLang="en-US" dirty="0"/>
-              <a:t>구현 상황</a:t>
-            </a:r>
-          </a:p>
-        </p:txBody>
-      </p:sp>
-      <p:sp>
-        <p:nvSpPr>
-          <p:cNvPr id="3" name="내용 개체 틀 2">
+              <a:t>구현 </a:t>
+            </a:r>
+            <a:r>
+              <a:rPr lang="en-US" altLang="ko-KR" dirty="0"/>
+              <a:t>3</a:t>
+            </a:r>
+            <a:endParaRPr lang="ko-KR" altLang="en-US" dirty="0"/>
+          </a:p>
+        </p:txBody>
+      </p:sp>
+      <p:pic>
+        <p:nvPicPr>
+          <p:cNvPr id="9" name="내용 개체 틀 8" descr="스크린샷이(가) 표시된 사진&#10;&#10;매우 높은 신뢰도로 생성된 설명">
             <a:extLst>
               <a:ext uri="{FF2B5EF4-FFF2-40B4-BE49-F238E27FC236}">
-                <a16:creationId xmlns:a16="http://schemas.microsoft.com/office/drawing/2014/main" id="{D20DD24A-7257-428F-BAAB-24B82FAB7A2E}"/>
+                <a16:creationId xmlns:a16="http://schemas.microsoft.com/office/drawing/2014/main" id="{A7A78DEA-FE16-4431-8D29-6802E0F7FB0D}"/>
               </a:ext>
             </a:extLst>
           </p:cNvPr>
-          <p:cNvSpPr>
-            <a:spLocks noGrp="1"/>
-          </p:cNvSpPr>
+          <p:cNvPicPr>
+            <a:picLocks noGrp="1" noChangeAspect="1"/>
+          </p:cNvPicPr>
           <p:nvPr>
             <p:ph sz="half" idx="1"/>
           </p:nvPr>
-        </p:nvSpPr>
-        <p:spPr/>
-        <p:txBody>
-          <a:bodyPr/>
-          <a:lstStyle/>
-          <a:p>
-            <a:endParaRPr lang="ko-KR" altLang="en-US"/>
-          </a:p>
-        </p:txBody>
-      </p:sp>
-      <p:sp>
-        <p:nvSpPr>
-          <p:cNvPr id="4" name="내용 개체 틀 3">
+        </p:nvPicPr>
+        <p:blipFill>
+          <a:blip r:embed="rId2">
+            <a:extLst>
+              <a:ext uri="{28A0092B-C50C-407E-A947-70E740481C1C}">
+                <a14:useLocalDpi xmlns:a14="http://schemas.microsoft.com/office/drawing/2010/main" val="0"/>
+              </a:ext>
+            </a:extLst>
+          </a:blip>
+          <a:stretch>
+            <a:fillRect/>
+          </a:stretch>
+        </p:blipFill>
+        <p:spPr>
+          <a:xfrm>
+            <a:off x="1729049" y="2193925"/>
+            <a:ext cx="3247501" cy="4024313"/>
+          </a:xfrm>
+        </p:spPr>
+      </p:pic>
+      <p:pic>
+        <p:nvPicPr>
+          <p:cNvPr id="11" name="내용 개체 틀 10" descr="스크린샷이(가) 표시된 사진&#10;&#10;매우 높은 신뢰도로 생성된 설명">
             <a:extLst>
               <a:ext uri="{FF2B5EF4-FFF2-40B4-BE49-F238E27FC236}">
-                <a16:creationId xmlns:a16="http://schemas.microsoft.com/office/drawing/2014/main" id="{1F708AC0-5E1D-4870-8452-60B8452F7F14}"/>
+                <a16:creationId xmlns:a16="http://schemas.microsoft.com/office/drawing/2014/main" id="{E05ABD92-19E1-4691-B867-0BD74BD7299B}"/>
               </a:ext>
             </a:extLst>
           </p:cNvPr>
-          <p:cNvSpPr>
-            <a:spLocks noGrp="1"/>
-          </p:cNvSpPr>
+          <p:cNvPicPr>
+            <a:picLocks noGrp="1" noChangeAspect="1"/>
+          </p:cNvPicPr>
           <p:nvPr>
             <p:ph sz="half" idx="2"/>
           </p:nvPr>
-        </p:nvSpPr>
-        <p:spPr/>
-        <p:txBody>
-          <a:bodyPr/>
-          <a:lstStyle/>
-          <a:p>
-            <a:endParaRPr lang="ko-KR" altLang="en-US"/>
-          </a:p>
-        </p:txBody>
-      </p:sp>
+        </p:nvPicPr>
+        <p:blipFill>
+          <a:blip r:embed="rId3">
+            <a:extLst>
+              <a:ext uri="{28A0092B-C50C-407E-A947-70E740481C1C}">
+                <a14:useLocalDpi xmlns:a14="http://schemas.microsoft.com/office/drawing/2010/main" val="0"/>
+              </a:ext>
+            </a:extLst>
+          </a:blip>
+          <a:stretch>
+            <a:fillRect/>
+          </a:stretch>
+        </p:blipFill>
+        <p:spPr>
+          <a:xfrm>
+            <a:off x="7215449" y="2193925"/>
+            <a:ext cx="3247501" cy="4024313"/>
+          </a:xfrm>
+        </p:spPr>
+      </p:pic>
       <p:sp>
         <p:nvSpPr>
           <p:cNvPr id="5" name="날짜 개체 틀 4">
@@ -9966,7 +9856,7 @@
           <a:p>
             <a:fld id="{BF360A28-0953-48E8-A32C-D3D2459A400B}" type="datetime1">
               <a:rPr lang="ko-KR" altLang="en-US" smtClean="0"/>
-              <a:t>2018-06-12</a:t>
+              <a:t>2018-06-13</a:t>
             </a:fld>
             <a:endParaRPr lang="ko-KR" altLang="en-US" dirty="0"/>
           </a:p>
@@ -10034,7 +9924,7 @@
     </p:spTree>
     <p:extLst>
       <p:ext uri="{BB962C8B-B14F-4D97-AF65-F5344CB8AC3E}">
-        <p14:creationId xmlns:p14="http://schemas.microsoft.com/office/powerpoint/2010/main" val="3384489649"/>
+        <p14:creationId xmlns:p14="http://schemas.microsoft.com/office/powerpoint/2010/main" val="4247206603"/>
       </p:ext>
     </p:extLst>
   </p:cSld>
@@ -10777,6 +10667,15 @@
 </file>
 
 <file path=customXml/item1.xml><?xml version="1.0" encoding="utf-8"?>
+<?mso-contentType ?>
+<FormTemplates xmlns="http://schemas.microsoft.com/sharepoint/v3/contenttype/forms">
+  <Display>DocumentLibraryForm</Display>
+  <Edit>DocumentLibraryForm</Edit>
+  <New>DocumentLibraryForm</New>
+</FormTemplates>
+</file>
+
+<file path=customXml/item2.xml><?xml version="1.0" encoding="utf-8"?>
 <p:properties xmlns:p="http://schemas.microsoft.com/office/2006/metadata/properties" xmlns:xsi="http://www.w3.org/2001/XMLSchema-instance" xmlns:pc="http://schemas.microsoft.com/office/infopath/2007/PartnerControls">
   <documentManagement>
     <VSO_x0020_item_x0020_id xmlns="40262f94-9f35-4ac3-9a90-690165a166b7" xsi:nil="true"/>
@@ -10785,15 +10684,6 @@
     <Template_x0020_details xmlns="40262f94-9f35-4ac3-9a90-690165a166b7" xsi:nil="true"/>
   </documentManagement>
 </p:properties>
-</file>
-
-<file path=customXml/item2.xml><?xml version="1.0" encoding="utf-8"?>
-<?mso-contentType ?>
-<FormTemplates xmlns="http://schemas.microsoft.com/sharepoint/v3/contenttype/forms">
-  <Display>DocumentLibraryForm</Display>
-  <Edit>DocumentLibraryForm</Edit>
-  <New>DocumentLibraryForm</New>
-</FormTemplates>
 </file>
 
 <file path=customXml/item3.xml><?xml version="1.0" encoding="utf-8"?>
@@ -10978,19 +10868,19 @@
 </file>
 
 <file path=customXml/itemProps1.xml><?xml version="1.0" encoding="utf-8"?>
+<ds:datastoreItem xmlns:ds="http://schemas.openxmlformats.org/officeDocument/2006/customXml" ds:itemID="{05EEE0F9-7BC9-4998-8617-7CC115AD97E2}">
+  <ds:schemaRefs>
+    <ds:schemaRef ds:uri="http://schemas.microsoft.com/sharepoint/v3/contenttype/forms"/>
+  </ds:schemaRefs>
+</ds:datastoreItem>
+</file>
+
+<file path=customXml/itemProps2.xml><?xml version="1.0" encoding="utf-8"?>
 <ds:datastoreItem xmlns:ds="http://schemas.openxmlformats.org/officeDocument/2006/customXml" ds:itemID="{2A1BD8E5-A18E-435C-B431-90A6B59F4B6F}">
   <ds:schemaRefs>
     <ds:schemaRef ds:uri="http://schemas.microsoft.com/office/2006/metadata/properties"/>
     <ds:schemaRef ds:uri="http://schemas.microsoft.com/office/infopath/2007/PartnerControls"/>
     <ds:schemaRef ds:uri="40262f94-9f35-4ac3-9a90-690165a166b7"/>
-  </ds:schemaRefs>
-</ds:datastoreItem>
-</file>
-
-<file path=customXml/itemProps2.xml><?xml version="1.0" encoding="utf-8"?>
-<ds:datastoreItem xmlns:ds="http://schemas.openxmlformats.org/officeDocument/2006/customXml" ds:itemID="{05EEE0F9-7BC9-4998-8617-7CC115AD97E2}">
-  <ds:schemaRefs>
-    <ds:schemaRef ds:uri="http://schemas.microsoft.com/sharepoint/v3/contenttype/forms"/>
   </ds:schemaRefs>
 </ds:datastoreItem>
 </file>

--- a/[스크립트 언어]7조 최종 발표 - 2016180042, 2015182031.pptx
+++ b/[스크립트 언어]7조 최종 발표 - 2016180042, 2015182031.pptx
@@ -224,13 +224,13 @@
         </pc:spChg>
       </pc:sldChg>
       <pc:sldChg chg="modSp">
-        <pc:chgData name="J Iconer" userId="13d0d27d8d7329bc" providerId="LiveId" clId="{4F6017EA-8D3B-4069-B109-59CCEDB3C90C}" dt="2018-06-13T19:28:55.890" v="583"/>
+        <pc:chgData name="J Iconer" userId="13d0d27d8d7329bc" providerId="LiveId" clId="{4F6017EA-8D3B-4069-B109-59CCEDB3C90C}" dt="2018-06-13T19:28:55.890" v="583" actId="255"/>
         <pc:sldMkLst>
           <pc:docMk/>
           <pc:sldMk cId="1668658186" sldId="266"/>
         </pc:sldMkLst>
         <pc:graphicFrameChg chg="mod modGraphic">
-          <ac:chgData name="J Iconer" userId="13d0d27d8d7329bc" providerId="LiveId" clId="{4F6017EA-8D3B-4069-B109-59CCEDB3C90C}" dt="2018-06-13T19:28:55.890" v="583"/>
+          <ac:chgData name="J Iconer" userId="13d0d27d8d7329bc" providerId="LiveId" clId="{4F6017EA-8D3B-4069-B109-59CCEDB3C90C}" dt="2018-06-13T19:28:55.890" v="583" actId="255"/>
           <ac:graphicFrameMkLst>
             <pc:docMk/>
             <pc:sldMk cId="1668658186" sldId="266"/>
@@ -10102,7 +10102,7 @@
           </p:nvPr>
         </p:nvPicPr>
         <p:blipFill>
-          <a:blip r:embed="rId2">
+          <a:blip r:embed="rId2" cstate="print">
             <a:extLst>
               <a:ext uri="{28A0092B-C50C-407E-A947-70E740481C1C}">
                 <a14:useLocalDpi xmlns:a14="http://schemas.microsoft.com/office/drawing/2010/main" val="0"/>
@@ -11210,6 +11210,26 @@
 </file>
 
 <file path=customXml/item1.xml><?xml version="1.0" encoding="utf-8"?>
+<?mso-contentType ?>
+<FormTemplates xmlns="http://schemas.microsoft.com/sharepoint/v3/contenttype/forms">
+  <Display>DocumentLibraryForm</Display>
+  <Edit>DocumentLibraryForm</Edit>
+  <New>DocumentLibraryForm</New>
+</FormTemplates>
+</file>
+
+<file path=customXml/item2.xml><?xml version="1.0" encoding="utf-8"?>
+<p:properties xmlns:p="http://schemas.microsoft.com/office/2006/metadata/properties" xmlns:xsi="http://www.w3.org/2001/XMLSchema-instance" xmlns:pc="http://schemas.microsoft.com/office/infopath/2007/PartnerControls">
+  <documentManagement>
+    <VSO_x0020_item_x0020_id xmlns="40262f94-9f35-4ac3-9a90-690165a166b7" xsi:nil="true"/>
+    <Assetid_x0020_ xmlns="40262f94-9f35-4ac3-9a90-690165a166b7" xsi:nil="true"/>
+    <Item_x0020_Details xmlns="40262f94-9f35-4ac3-9a90-690165a166b7" xsi:nil="true"/>
+    <Template_x0020_details xmlns="40262f94-9f35-4ac3-9a90-690165a166b7" xsi:nil="true"/>
+  </documentManagement>
+</p:properties>
+</file>
+
+<file path=customXml/item3.xml><?xml version="1.0" encoding="utf-8"?>
 <ct:contentTypeSchema xmlns:ct="http://schemas.microsoft.com/office/2006/metadata/contentType" xmlns:ma="http://schemas.microsoft.com/office/2006/metadata/properties/metaAttributes" ct:_="" ma:_="" ma:contentTypeName="Document" ma:contentTypeID="0x010100AA3F7D94069FF64A86F7DFF56D60E3BE" ma:contentTypeVersion="6" ma:contentTypeDescription="Create a new document." ma:contentTypeScope="" ma:versionID="c32302c77d4085ecf495bdddb7f5e889">
   <xsd:schema xmlns:xsd="http://www.w3.org/2001/XMLSchema" xmlns:xs="http://www.w3.org/2001/XMLSchema" xmlns:p="http://schemas.microsoft.com/office/2006/metadata/properties" xmlns:ns2="a4f35948-e619-41b3-aa29-22878b09cfd2" xmlns:ns3="40262f94-9f35-4ac3-9a90-690165a166b7" targetNamespace="http://schemas.microsoft.com/office/2006/metadata/properties" ma:root="true" ma:fieldsID="4ab5ae46be95f9d0be6107e8200be7a2" ns2:_="" ns3:_="">
     <xsd:import namespace="a4f35948-e619-41b3-aa29-22878b09cfd2"/>
@@ -11390,27 +11410,25 @@
 </ct:contentTypeSchema>
 </file>
 
-<file path=customXml/item2.xml><?xml version="1.0" encoding="utf-8"?>
-<p:properties xmlns:p="http://schemas.microsoft.com/office/2006/metadata/properties" xmlns:xsi="http://www.w3.org/2001/XMLSchema-instance" xmlns:pc="http://schemas.microsoft.com/office/infopath/2007/PartnerControls">
-  <documentManagement>
-    <VSO_x0020_item_x0020_id xmlns="40262f94-9f35-4ac3-9a90-690165a166b7" xsi:nil="true"/>
-    <Assetid_x0020_ xmlns="40262f94-9f35-4ac3-9a90-690165a166b7" xsi:nil="true"/>
-    <Item_x0020_Details xmlns="40262f94-9f35-4ac3-9a90-690165a166b7" xsi:nil="true"/>
-    <Template_x0020_details xmlns="40262f94-9f35-4ac3-9a90-690165a166b7" xsi:nil="true"/>
-  </documentManagement>
-</p:properties>
+<file path=customXml/itemProps1.xml><?xml version="1.0" encoding="utf-8"?>
+<ds:datastoreItem xmlns:ds="http://schemas.openxmlformats.org/officeDocument/2006/customXml" ds:itemID="{05EEE0F9-7BC9-4998-8617-7CC115AD97E2}">
+  <ds:schemaRefs>
+    <ds:schemaRef ds:uri="http://schemas.microsoft.com/sharepoint/v3/contenttype/forms"/>
+  </ds:schemaRefs>
+</ds:datastoreItem>
 </file>
 
-<file path=customXml/item3.xml><?xml version="1.0" encoding="utf-8"?>
-<?mso-contentType ?>
-<FormTemplates xmlns="http://schemas.microsoft.com/sharepoint/v3/contenttype/forms">
-  <Display>DocumentLibraryForm</Display>
-  <Edit>DocumentLibraryForm</Edit>
-  <New>DocumentLibraryForm</New>
-</FormTemplates>
+<file path=customXml/itemProps2.xml><?xml version="1.0" encoding="utf-8"?>
+<ds:datastoreItem xmlns:ds="http://schemas.openxmlformats.org/officeDocument/2006/customXml" ds:itemID="{2A1BD8E5-A18E-435C-B431-90A6B59F4B6F}">
+  <ds:schemaRefs>
+    <ds:schemaRef ds:uri="http://schemas.microsoft.com/office/2006/metadata/properties"/>
+    <ds:schemaRef ds:uri="http://schemas.microsoft.com/office/infopath/2007/PartnerControls"/>
+    <ds:schemaRef ds:uri="40262f94-9f35-4ac3-9a90-690165a166b7"/>
+  </ds:schemaRefs>
+</ds:datastoreItem>
 </file>
 
-<file path=customXml/itemProps1.xml><?xml version="1.0" encoding="utf-8"?>
+<file path=customXml/itemProps3.xml><?xml version="1.0" encoding="utf-8"?>
 <ds:datastoreItem xmlns:ds="http://schemas.openxmlformats.org/officeDocument/2006/customXml" ds:itemID="{4BEBB951-DE64-4CB8-9E1C-184A357AD7FD}">
   <ds:schemaRefs>
     <ds:schemaRef ds:uri="http://schemas.microsoft.com/office/2006/metadata/contentType"/>
@@ -11427,22 +11445,4 @@
     <ds:schemaRef ds:uri="http://schemas.microsoft.com/internal/obd"/>
   </ds:schemaRefs>
 </ds:datastoreItem>
-</file>
-
-<file path=customXml/itemProps2.xml><?xml version="1.0" encoding="utf-8"?>
-<ds:datastoreItem xmlns:ds="http://schemas.openxmlformats.org/officeDocument/2006/customXml" ds:itemID="{2A1BD8E5-A18E-435C-B431-90A6B59F4B6F}">
-  <ds:schemaRefs>
-    <ds:schemaRef ds:uri="http://schemas.microsoft.com/office/2006/metadata/properties"/>
-    <ds:schemaRef ds:uri="http://schemas.microsoft.com/office/infopath/2007/PartnerControls"/>
-    <ds:schemaRef ds:uri="40262f94-9f35-4ac3-9a90-690165a166b7"/>
-  </ds:schemaRefs>
-</ds:datastoreItem>
-</file>
-
-<file path=customXml/itemProps3.xml><?xml version="1.0" encoding="utf-8"?>
-<ds:datastoreItem xmlns:ds="http://schemas.openxmlformats.org/officeDocument/2006/customXml" ds:itemID="{05EEE0F9-7BC9-4998-8617-7CC115AD97E2}">
-  <ds:schemaRefs>
-    <ds:schemaRef ds:uri="http://schemas.microsoft.com/sharepoint/v3/contenttype/forms"/>
-  </ds:schemaRefs>
-</ds:datastoreItem>
 </file>
--- a/[스크립트 언어]7조 최종 발표 - 2016180042, 2015182031.pptx
+++ b/[스크립트 언어]7조 최종 발표 - 2016180042, 2015182031.pptx
@@ -142,6 +142,45 @@
 <file path=ppt/changesInfos/changesInfo1.xml><?xml version="1.0" encoding="utf-8"?>
 <pc:chgInfo xmlns:a="http://schemas.openxmlformats.org/drawingml/2006/main" xmlns:r="http://schemas.openxmlformats.org/officeDocument/2006/relationships" xmlns:ac="http://schemas.microsoft.com/office/drawing/2013/main/command" xmlns:pc="http://schemas.microsoft.com/office/powerpoint/2013/main/command">
   <pc:docChgLst>
+    <pc:chgData name="J Iconer" userId="13d0d27d8d7329bc" providerId="LiveId" clId="{620F460D-A121-4636-B827-93F8F7E565D0}"/>
+    <pc:docChg chg="modSld">
+      <pc:chgData name="J Iconer" userId="13d0d27d8d7329bc" providerId="LiveId" clId="{620F460D-A121-4636-B827-93F8F7E565D0}" dt="2018-06-14T14:09:34.097" v="30" actId="20577"/>
+      <pc:docMkLst>
+        <pc:docMk/>
+      </pc:docMkLst>
+      <pc:sldChg chg="modSp">
+        <pc:chgData name="J Iconer" userId="13d0d27d8d7329bc" providerId="LiveId" clId="{620F460D-A121-4636-B827-93F8F7E565D0}" dt="2018-06-14T14:09:34.097" v="30" actId="20577"/>
+        <pc:sldMkLst>
+          <pc:docMk/>
+          <pc:sldMk cId="2448794823" sldId="264"/>
+        </pc:sldMkLst>
+        <pc:spChg chg="mod">
+          <ac:chgData name="J Iconer" userId="13d0d27d8d7329bc" providerId="LiveId" clId="{620F460D-A121-4636-B827-93F8F7E565D0}" dt="2018-06-14T14:09:34.097" v="30" actId="20577"/>
+          <ac:spMkLst>
+            <pc:docMk/>
+            <pc:sldMk cId="2448794823" sldId="264"/>
+            <ac:spMk id="4" creationId="{B1033AC0-B7B6-44CC-88E9-15EF0159F05E}"/>
+          </ac:spMkLst>
+        </pc:spChg>
+      </pc:sldChg>
+      <pc:sldChg chg="modSp">
+        <pc:chgData name="J Iconer" userId="13d0d27d8d7329bc" providerId="LiveId" clId="{620F460D-A121-4636-B827-93F8F7E565D0}" dt="2018-06-14T14:09:15.556" v="0" actId="20577"/>
+        <pc:sldMkLst>
+          <pc:docMk/>
+          <pc:sldMk cId="3346087567" sldId="267"/>
+        </pc:sldMkLst>
+        <pc:spChg chg="mod">
+          <ac:chgData name="J Iconer" userId="13d0d27d8d7329bc" providerId="LiveId" clId="{620F460D-A121-4636-B827-93F8F7E565D0}" dt="2018-06-14T14:09:15.556" v="0" actId="20577"/>
+          <ac:spMkLst>
+            <pc:docMk/>
+            <pc:sldMk cId="3346087567" sldId="267"/>
+            <ac:spMk id="15" creationId="{03DAFC71-1AE8-4DB4-89BC-EAB083CAB17C}"/>
+          </ac:spMkLst>
+        </pc:spChg>
+      </pc:sldChg>
+    </pc:docChg>
+  </pc:docChgLst>
+  <pc:docChgLst>
     <pc:chgData name="J Iconer" userId="13d0d27d8d7329bc" providerId="LiveId" clId="{4F6017EA-8D3B-4069-B109-59CCEDB3C90C}"/>
     <pc:docChg chg="undo custSel addSld delSld modSld sldOrd">
       <pc:chgData name="J Iconer" userId="13d0d27d8d7329bc" providerId="LiveId" clId="{4F6017EA-8D3B-4069-B109-59CCEDB3C90C}" dt="2018-06-13T19:31:46.840" v="985" actId="255"/>
@@ -177,20 +216,6 @@
             <ac:spMk id="14" creationId="{00000000-0000-0000-0000-000000000000}"/>
           </ac:spMkLst>
         </pc:spChg>
-      </pc:sldChg>
-      <pc:sldChg chg="del">
-        <pc:chgData name="J Iconer" userId="13d0d27d8d7329bc" providerId="LiveId" clId="{4F6017EA-8D3B-4069-B109-59CCEDB3C90C}" dt="2018-06-12T09:16:01.757" v="40" actId="2696"/>
-        <pc:sldMkLst>
-          <pc:docMk/>
-          <pc:sldMk cId="2638068855" sldId="261"/>
-        </pc:sldMkLst>
-      </pc:sldChg>
-      <pc:sldChg chg="del">
-        <pc:chgData name="J Iconer" userId="13d0d27d8d7329bc" providerId="LiveId" clId="{4F6017EA-8D3B-4069-B109-59CCEDB3C90C}" dt="2018-06-12T09:15:10.776" v="17" actId="2696"/>
-        <pc:sldMkLst>
-          <pc:docMk/>
-          <pc:sldMk cId="2975441357" sldId="262"/>
-        </pc:sldMkLst>
       </pc:sldChg>
       <pc:sldChg chg="modSp">
         <pc:chgData name="J Iconer" userId="13d0d27d8d7329bc" providerId="LiveId" clId="{4F6017EA-8D3B-4069-B109-59CCEDB3C90C}" dt="2018-06-13T19:31:46.840" v="985" actId="255"/>
@@ -362,13 +387,6 @@
             <ac:spMk id="5" creationId="{249C41B6-F868-4AA2-941E-AF87267D0559}"/>
           </ac:spMkLst>
         </pc:spChg>
-      </pc:sldChg>
-      <pc:sldChg chg="add del">
-        <pc:chgData name="J Iconer" userId="13d0d27d8d7329bc" providerId="LiveId" clId="{4F6017EA-8D3B-4069-B109-59CCEDB3C90C}" dt="2018-06-12T09:17:31.444" v="154" actId="2696"/>
-        <pc:sldMkLst>
-          <pc:docMk/>
-          <pc:sldMk cId="3078531570" sldId="270"/>
-        </pc:sldMkLst>
       </pc:sldChg>
       <pc:sldChg chg="modSp add">
         <pc:chgData name="J Iconer" userId="13d0d27d8d7329bc" providerId="LiveId" clId="{4F6017EA-8D3B-4069-B109-59CCEDB3C90C}" dt="2018-06-13T19:25:33.933" v="421" actId="20577"/>
@@ -7938,7 +7956,7 @@
           <a:p>
             <a:r>
               <a:rPr lang="ko-KR" altLang="en-US" sz="2000" dirty="0"/>
-              <a:t>현역 정보 검색 및 띄우기</a:t>
+              <a:t>사회복무 공석 검색 및 띄우기</a:t>
             </a:r>
             <a:endParaRPr lang="en-US" altLang="ko-KR" sz="2000" dirty="0"/>
           </a:p>
@@ -9864,12 +9882,100 @@
           </a:p>
         </p:txBody>
       </p:sp>
+      <p:sp>
+        <p:nvSpPr>
+          <p:cNvPr id="5" name="날짜 개체 틀 4">
+            <a:extLst>
+              <a:ext uri="{FF2B5EF4-FFF2-40B4-BE49-F238E27FC236}">
+                <a16:creationId xmlns:a16="http://schemas.microsoft.com/office/drawing/2014/main" id="{C2CA9CFE-CAA1-482D-BB5D-E41024CD9DB9}"/>
+              </a:ext>
+            </a:extLst>
+          </p:cNvPr>
+          <p:cNvSpPr>
+            <a:spLocks noGrp="1"/>
+          </p:cNvSpPr>
+          <p:nvPr>
+            <p:ph type="dt" sz="half" idx="10"/>
+          </p:nvPr>
+        </p:nvSpPr>
+        <p:spPr/>
+        <p:txBody>
+          <a:bodyPr/>
+          <a:lstStyle/>
+          <a:p>
+            <a:fld id="{BF360A28-0953-48E8-A32C-D3D2459A400B}" type="datetime1">
+              <a:rPr lang="ko-KR" altLang="en-US" smtClean="0"/>
+              <a:t>2018-06-14</a:t>
+            </a:fld>
+            <a:endParaRPr lang="ko-KR" altLang="en-US" dirty="0"/>
+          </a:p>
+        </p:txBody>
+      </p:sp>
+      <p:sp>
+        <p:nvSpPr>
+          <p:cNvPr id="6" name="바닥글 개체 틀 5">
+            <a:extLst>
+              <a:ext uri="{FF2B5EF4-FFF2-40B4-BE49-F238E27FC236}">
+                <a16:creationId xmlns:a16="http://schemas.microsoft.com/office/drawing/2014/main" id="{5BBFD272-4CD2-43A4-AE3C-FBA86BC9FB69}"/>
+              </a:ext>
+            </a:extLst>
+          </p:cNvPr>
+          <p:cNvSpPr>
+            <a:spLocks noGrp="1"/>
+          </p:cNvSpPr>
+          <p:nvPr>
+            <p:ph type="ftr" sz="quarter" idx="11"/>
+          </p:nvPr>
+        </p:nvSpPr>
+        <p:spPr/>
+        <p:txBody>
+          <a:bodyPr/>
+          <a:lstStyle/>
+          <a:p>
+            <a:r>
+              <a:rPr lang="ko-KR" altLang="en-US"/>
+              <a:t>의무의 부름</a:t>
+            </a:r>
+            <a:endParaRPr lang="ko-KR" altLang="en-US" dirty="0"/>
+          </a:p>
+        </p:txBody>
+      </p:sp>
+      <p:sp>
+        <p:nvSpPr>
+          <p:cNvPr id="7" name="슬라이드 번호 개체 틀 6">
+            <a:extLst>
+              <a:ext uri="{FF2B5EF4-FFF2-40B4-BE49-F238E27FC236}">
+                <a16:creationId xmlns:a16="http://schemas.microsoft.com/office/drawing/2014/main" id="{FAC30601-B245-481B-98EA-E995A7F5D573}"/>
+              </a:ext>
+            </a:extLst>
+          </p:cNvPr>
+          <p:cNvSpPr>
+            <a:spLocks noGrp="1"/>
+          </p:cNvSpPr>
+          <p:nvPr>
+            <p:ph type="sldNum" sz="quarter" idx="12"/>
+          </p:nvPr>
+        </p:nvSpPr>
+        <p:spPr/>
+        <p:txBody>
+          <a:bodyPr/>
+          <a:lstStyle/>
+          <a:p>
+            <a:fld id="{E5B29C50-D6F1-4DB6-9B68-F4CD3996E9CF}" type="slidenum">
+              <a:rPr lang="en-US" altLang="ko-KR" smtClean="0"/>
+              <a:pPr/>
+              <a:t>7</a:t>
+            </a:fld>
+            <a:endParaRPr lang="ko-KR" altLang="en-US" dirty="0"/>
+          </a:p>
+        </p:txBody>
+      </p:sp>
       <p:pic>
         <p:nvPicPr>
-          <p:cNvPr id="9" name="내용 개체 틀 8" descr="스크린샷이(가) 표시된 사진&#10;&#10;매우 높은 신뢰도로 생성된 설명">
+          <p:cNvPr id="10" name="내용 개체 틀 9">
             <a:extLst>
               <a:ext uri="{FF2B5EF4-FFF2-40B4-BE49-F238E27FC236}">
-                <a16:creationId xmlns:a16="http://schemas.microsoft.com/office/drawing/2014/main" id="{12D29CFC-75F1-4EB8-8E0C-C9ADD8AA6F1F}"/>
+                <a16:creationId xmlns:a16="http://schemas.microsoft.com/office/drawing/2014/main" id="{A6103F8F-E2BC-4F37-9C13-CCB1EC7D31AF}"/>
               </a:ext>
             </a:extLst>
           </p:cNvPr>
@@ -9894,17 +10000,17 @@
         </p:blipFill>
         <p:spPr>
           <a:xfrm>
-            <a:off x="1729049" y="2193925"/>
-            <a:ext cx="3247501" cy="4024313"/>
+            <a:off x="1752467" y="2193925"/>
+            <a:ext cx="3200665" cy="4024313"/>
           </a:xfrm>
         </p:spPr>
       </p:pic>
       <p:pic>
         <p:nvPicPr>
-          <p:cNvPr id="11" name="내용 개체 틀 10" descr="스크린샷이(가) 표시된 사진&#10;&#10;매우 높은 신뢰도로 생성된 설명">
+          <p:cNvPr id="13" name="내용 개체 틀 12">
             <a:extLst>
               <a:ext uri="{FF2B5EF4-FFF2-40B4-BE49-F238E27FC236}">
-                <a16:creationId xmlns:a16="http://schemas.microsoft.com/office/drawing/2014/main" id="{1560B303-DB96-4270-A12C-4FC6874F941A}"/>
+                <a16:creationId xmlns:a16="http://schemas.microsoft.com/office/drawing/2014/main" id="{0862D1C1-8A5D-4CA3-BBC2-2C961069CC1D}"/>
               </a:ext>
             </a:extLst>
           </p:cNvPr>
@@ -9916,7 +10022,7 @@
           </p:nvPr>
         </p:nvPicPr>
         <p:blipFill>
-          <a:blip r:embed="rId3">
+          <a:blip r:embed="rId3" cstate="print">
             <a:extLst>
               <a:ext uri="{28A0092B-C50C-407E-A947-70E740481C1C}">
                 <a14:useLocalDpi xmlns:a14="http://schemas.microsoft.com/office/drawing/2010/main" val="0"/>
@@ -9929,96 +10035,43 @@
         </p:blipFill>
         <p:spPr>
           <a:xfrm>
-            <a:off x="7215449" y="2193925"/>
-            <a:ext cx="3247501" cy="4024313"/>
+            <a:off x="6172200" y="2737818"/>
+            <a:ext cx="5334000" cy="2936527"/>
           </a:xfrm>
         </p:spPr>
       </p:pic>
       <p:sp>
         <p:nvSpPr>
-          <p:cNvPr id="5" name="날짜 개체 틀 4">
+          <p:cNvPr id="15" name="TextBox 14">
             <a:extLst>
               <a:ext uri="{FF2B5EF4-FFF2-40B4-BE49-F238E27FC236}">
-                <a16:creationId xmlns:a16="http://schemas.microsoft.com/office/drawing/2014/main" id="{C2CA9CFE-CAA1-482D-BB5D-E41024CD9DB9}"/>
+                <a16:creationId xmlns:a16="http://schemas.microsoft.com/office/drawing/2014/main" id="{03DAFC71-1AE8-4DB4-89BC-EAB083CAB17C}"/>
               </a:ext>
             </a:extLst>
           </p:cNvPr>
-          <p:cNvSpPr>
-            <a:spLocks noGrp="1"/>
-          </p:cNvSpPr>
-          <p:nvPr>
-            <p:ph type="dt" sz="half" idx="10"/>
-          </p:nvPr>
-        </p:nvSpPr>
-        <p:spPr/>
-        <p:txBody>
-          <a:bodyPr/>
-          <a:lstStyle/>
-          <a:p>
-            <a:fld id="{BF360A28-0953-48E8-A32C-D3D2459A400B}" type="datetime1">
-              <a:rPr lang="ko-KR" altLang="en-US" smtClean="0"/>
-              <a:t>2018-06-14</a:t>
-            </a:fld>
-            <a:endParaRPr lang="ko-KR" altLang="en-US" dirty="0"/>
-          </a:p>
-        </p:txBody>
-      </p:sp>
-      <p:sp>
-        <p:nvSpPr>
-          <p:cNvPr id="6" name="바닥글 개체 틀 5">
-            <a:extLst>
-              <a:ext uri="{FF2B5EF4-FFF2-40B4-BE49-F238E27FC236}">
-                <a16:creationId xmlns:a16="http://schemas.microsoft.com/office/drawing/2014/main" id="{5BBFD272-4CD2-43A4-AE3C-FBA86BC9FB69}"/>
-              </a:ext>
-            </a:extLst>
-          </p:cNvPr>
-          <p:cNvSpPr>
-            <a:spLocks noGrp="1"/>
-          </p:cNvSpPr>
-          <p:nvPr>
-            <p:ph type="ftr" sz="quarter" idx="11"/>
-          </p:nvPr>
-        </p:nvSpPr>
-        <p:spPr/>
-        <p:txBody>
-          <a:bodyPr/>
-          <a:lstStyle/>
-          <a:p>
-            <a:r>
-              <a:rPr lang="ko-KR" altLang="en-US"/>
-              <a:t>의무의 부름</a:t>
-            </a:r>
-            <a:endParaRPr lang="ko-KR" altLang="en-US" dirty="0"/>
-          </a:p>
-        </p:txBody>
-      </p:sp>
-      <p:sp>
-        <p:nvSpPr>
-          <p:cNvPr id="7" name="슬라이드 번호 개체 틀 6">
-            <a:extLst>
-              <a:ext uri="{FF2B5EF4-FFF2-40B4-BE49-F238E27FC236}">
-                <a16:creationId xmlns:a16="http://schemas.microsoft.com/office/drawing/2014/main" id="{FAC30601-B245-481B-98EA-E995A7F5D573}"/>
-              </a:ext>
-            </a:extLst>
-          </p:cNvPr>
-          <p:cNvSpPr>
-            <a:spLocks noGrp="1"/>
-          </p:cNvSpPr>
-          <p:nvPr>
-            <p:ph type="sldNum" sz="quarter" idx="12"/>
-          </p:nvPr>
-        </p:nvSpPr>
-        <p:spPr/>
-        <p:txBody>
-          <a:bodyPr/>
-          <a:lstStyle/>
-          <a:p>
-            <a:fld id="{E5B29C50-D6F1-4DB6-9B68-F4CD3996E9CF}" type="slidenum">
-              <a:rPr lang="en-US" altLang="ko-KR" smtClean="0"/>
-              <a:pPr/>
-              <a:t>7</a:t>
-            </a:fld>
-            <a:endParaRPr lang="ko-KR" altLang="en-US" dirty="0"/>
+          <p:cNvSpPr txBox="1"/>
+          <p:nvPr/>
+        </p:nvSpPr>
+        <p:spPr>
+          <a:xfrm>
+            <a:off x="6519553" y="1769423"/>
+            <a:ext cx="3348842" cy="369332"/>
+          </a:xfrm>
+          <a:prstGeom prst="rect">
+            <a:avLst/>
+          </a:prstGeom>
+          <a:noFill/>
+        </p:spPr>
+        <p:txBody>
+          <a:bodyPr wrap="square" rtlCol="0">
+            <a:spAutoFit/>
+          </a:bodyPr>
+          <a:lstStyle/>
+          <a:p>
+            <a:r>
+              <a:rPr lang="ko-KR" altLang="en-US" dirty="0"/>
+              <a:t>선 복무 버튼을 누르면 이동</a:t>
+            </a:r>
           </a:p>
         </p:txBody>
       </p:sp>
@@ -11210,26 +11263,6 @@
 </file>
 
 <file path=customXml/item1.xml><?xml version="1.0" encoding="utf-8"?>
-<?mso-contentType ?>
-<FormTemplates xmlns="http://schemas.microsoft.com/sharepoint/v3/contenttype/forms">
-  <Display>DocumentLibraryForm</Display>
-  <Edit>DocumentLibraryForm</Edit>
-  <New>DocumentLibraryForm</New>
-</FormTemplates>
-</file>
-
-<file path=customXml/item2.xml><?xml version="1.0" encoding="utf-8"?>
-<p:properties xmlns:p="http://schemas.microsoft.com/office/2006/metadata/properties" xmlns:xsi="http://www.w3.org/2001/XMLSchema-instance" xmlns:pc="http://schemas.microsoft.com/office/infopath/2007/PartnerControls">
-  <documentManagement>
-    <VSO_x0020_item_x0020_id xmlns="40262f94-9f35-4ac3-9a90-690165a166b7" xsi:nil="true"/>
-    <Assetid_x0020_ xmlns="40262f94-9f35-4ac3-9a90-690165a166b7" xsi:nil="true"/>
-    <Item_x0020_Details xmlns="40262f94-9f35-4ac3-9a90-690165a166b7" xsi:nil="true"/>
-    <Template_x0020_details xmlns="40262f94-9f35-4ac3-9a90-690165a166b7" xsi:nil="true"/>
-  </documentManagement>
-</p:properties>
-</file>
-
-<file path=customXml/item3.xml><?xml version="1.0" encoding="utf-8"?>
 <ct:contentTypeSchema xmlns:ct="http://schemas.microsoft.com/office/2006/metadata/contentType" xmlns:ma="http://schemas.microsoft.com/office/2006/metadata/properties/metaAttributes" ct:_="" ma:_="" ma:contentTypeName="Document" ma:contentTypeID="0x010100AA3F7D94069FF64A86F7DFF56D60E3BE" ma:contentTypeVersion="6" ma:contentTypeDescription="Create a new document." ma:contentTypeScope="" ma:versionID="c32302c77d4085ecf495bdddb7f5e889">
   <xsd:schema xmlns:xsd="http://www.w3.org/2001/XMLSchema" xmlns:xs="http://www.w3.org/2001/XMLSchema" xmlns:p="http://schemas.microsoft.com/office/2006/metadata/properties" xmlns:ns2="a4f35948-e619-41b3-aa29-22878b09cfd2" xmlns:ns3="40262f94-9f35-4ac3-9a90-690165a166b7" targetNamespace="http://schemas.microsoft.com/office/2006/metadata/properties" ma:root="true" ma:fieldsID="4ab5ae46be95f9d0be6107e8200be7a2" ns2:_="" ns3:_="">
     <xsd:import namespace="a4f35948-e619-41b3-aa29-22878b09cfd2"/>
@@ -11410,25 +11443,27 @@
 </ct:contentTypeSchema>
 </file>
 
-<file path=customXml/itemProps1.xml><?xml version="1.0" encoding="utf-8"?>
-<ds:datastoreItem xmlns:ds="http://schemas.openxmlformats.org/officeDocument/2006/customXml" ds:itemID="{05EEE0F9-7BC9-4998-8617-7CC115AD97E2}">
-  <ds:schemaRefs>
-    <ds:schemaRef ds:uri="http://schemas.microsoft.com/sharepoint/v3/contenttype/forms"/>
-  </ds:schemaRefs>
-</ds:datastoreItem>
+<file path=customXml/item2.xml><?xml version="1.0" encoding="utf-8"?>
+<?mso-contentType ?>
+<FormTemplates xmlns="http://schemas.microsoft.com/sharepoint/v3/contenttype/forms">
+  <Display>DocumentLibraryForm</Display>
+  <Edit>DocumentLibraryForm</Edit>
+  <New>DocumentLibraryForm</New>
+</FormTemplates>
 </file>
 
-<file path=customXml/itemProps2.xml><?xml version="1.0" encoding="utf-8"?>
-<ds:datastoreItem xmlns:ds="http://schemas.openxmlformats.org/officeDocument/2006/customXml" ds:itemID="{2A1BD8E5-A18E-435C-B431-90A6B59F4B6F}">
-  <ds:schemaRefs>
-    <ds:schemaRef ds:uri="http://schemas.microsoft.com/office/2006/metadata/properties"/>
-    <ds:schemaRef ds:uri="http://schemas.microsoft.com/office/infopath/2007/PartnerControls"/>
-    <ds:schemaRef ds:uri="40262f94-9f35-4ac3-9a90-690165a166b7"/>
-  </ds:schemaRefs>
-</ds:datastoreItem>
+<file path=customXml/item3.xml><?xml version="1.0" encoding="utf-8"?>
+<p:properties xmlns:p="http://schemas.microsoft.com/office/2006/metadata/properties" xmlns:xsi="http://www.w3.org/2001/XMLSchema-instance" xmlns:pc="http://schemas.microsoft.com/office/infopath/2007/PartnerControls">
+  <documentManagement>
+    <VSO_x0020_item_x0020_id xmlns="40262f94-9f35-4ac3-9a90-690165a166b7" xsi:nil="true"/>
+    <Assetid_x0020_ xmlns="40262f94-9f35-4ac3-9a90-690165a166b7" xsi:nil="true"/>
+    <Item_x0020_Details xmlns="40262f94-9f35-4ac3-9a90-690165a166b7" xsi:nil="true"/>
+    <Template_x0020_details xmlns="40262f94-9f35-4ac3-9a90-690165a166b7" xsi:nil="true"/>
+  </documentManagement>
+</p:properties>
 </file>
 
-<file path=customXml/itemProps3.xml><?xml version="1.0" encoding="utf-8"?>
+<file path=customXml/itemProps1.xml><?xml version="1.0" encoding="utf-8"?>
 <ds:datastoreItem xmlns:ds="http://schemas.openxmlformats.org/officeDocument/2006/customXml" ds:itemID="{4BEBB951-DE64-4CB8-9E1C-184A357AD7FD}">
   <ds:schemaRefs>
     <ds:schemaRef ds:uri="http://schemas.microsoft.com/office/2006/metadata/contentType"/>
@@ -11445,4 +11480,22 @@
     <ds:schemaRef ds:uri="http://schemas.microsoft.com/internal/obd"/>
   </ds:schemaRefs>
 </ds:datastoreItem>
+</file>
+
+<file path=customXml/itemProps2.xml><?xml version="1.0" encoding="utf-8"?>
+<ds:datastoreItem xmlns:ds="http://schemas.openxmlformats.org/officeDocument/2006/customXml" ds:itemID="{05EEE0F9-7BC9-4998-8617-7CC115AD97E2}">
+  <ds:schemaRefs>
+    <ds:schemaRef ds:uri="http://schemas.microsoft.com/sharepoint/v3/contenttype/forms"/>
+  </ds:schemaRefs>
+</ds:datastoreItem>
+</file>
+
+<file path=customXml/itemProps3.xml><?xml version="1.0" encoding="utf-8"?>
+<ds:datastoreItem xmlns:ds="http://schemas.openxmlformats.org/officeDocument/2006/customXml" ds:itemID="{2A1BD8E5-A18E-435C-B431-90A6B59F4B6F}">
+  <ds:schemaRefs>
+    <ds:schemaRef ds:uri="http://schemas.microsoft.com/office/2006/metadata/properties"/>
+    <ds:schemaRef ds:uri="http://schemas.microsoft.com/office/infopath/2007/PartnerControls"/>
+    <ds:schemaRef ds:uri="40262f94-9f35-4ac3-9a90-690165a166b7"/>
+  </ds:schemaRefs>
+</ds:datastoreItem>
 </file>